--- a/Presentation/GreekSpider_Presentation.pptx
+++ b/Presentation/GreekSpider_Presentation.pptx
@@ -217,7 +217,7 @@
           <a:p>
             <a:fld id="{8A84F52A-5AE2-4062-AF77-CB63F6320DA2}" type="datetimeFigureOut">
               <a:rPr lang="en-US" smtClean="0"/>
-              <a:t>6/19/2024</a:t>
+              <a:t>6/22/2024</a:t>
             </a:fld>
             <a:endParaRPr lang="en-US"/>
           </a:p>
@@ -615,7 +615,7 @@
           <a:p>
             <a:r>
               <a:rPr lang="en-US" dirty="0"/>
-              <a:t>BULLET 2: This is because both datasets utilize the same databases. Despite column/table matching not being effective with the original schema, RAT-SQL consistently encodes information from the entire database alongside each question. Given the manageable complexity of connections in the Spider dataset, the model reliably identifies links from available information. Consequently, during training, the model familiarizes itself with databases and successfully predicts questions in the dev set.</a:t>
+              <a:t>We translate table names and column names, crucial for schema linking, while leaving other fields unchanged to preserve their original values. This ensures SQL queries reference the correct tables and columns. The translated schema is referred to as gr-schema, while the original remains labeled simply as schema.</a:t>
             </a:r>
           </a:p>
           <a:p>
@@ -624,10 +624,8 @@
           <a:p>
             <a:r>
               <a:rPr lang="en-US" dirty="0"/>
-              <a:t>BULLET 3: uses different databases unfamiliar to the model. In this scenario, the model will heavily rely on mapping between questions and tables/columns to achieve accurate results.</a:t>
-            </a:r>
-          </a:p>
-          <a:p>
+              <a:t>It's crucial to note that both the training and inference datasets utilize identical databases, significantly enhancing inference scores compared to scenarios where a database not used during training is employed</a:t>
+            </a:r>
             <a:endParaRPr lang="el-GR" dirty="0"/>
           </a:p>
         </p:txBody>
@@ -649,7 +647,7 @@
           <a:p>
             <a:fld id="{5C8EBDBD-B5B6-4C5C-8990-1648C105756E}" type="slidenum">
               <a:rPr lang="en-US" smtClean="0"/>
-              <a:t>13</a:t>
+              <a:t>12</a:t>
             </a:fld>
             <a:endParaRPr lang="en-US"/>
           </a:p>
@@ -658,7 +656,7 @@
     </p:spTree>
     <p:extLst>
       <p:ext uri="{BB962C8B-B14F-4D97-AF65-F5344CB8AC3E}">
-        <p14:creationId xmlns:p14="http://schemas.microsoft.com/office/powerpoint/2010/main" val="2996427109"/>
+        <p14:creationId xmlns:p14="http://schemas.microsoft.com/office/powerpoint/2010/main" val="2829386577"/>
       </p:ext>
     </p:extLst>
   </p:cSld>
@@ -713,12 +711,8 @@
           <a:lstStyle/>
           <a:p>
             <a:r>
-              <a:rPr lang="el-GR" dirty="0"/>
-              <a:t>5628.85%</a:t>
-            </a:r>
-            <a:r>
-              <a:rPr lang="en-US" dirty="0"/>
-              <a:t> More English data than Greek in mt5 training</a:t>
+              <a:rPr lang="en-US" dirty="0"/>
+              <a:t>BULLET 2: This is because both datasets utilize the same databases. Despite column/table matching not being effective with the original schema, RAT-SQL consistently encodes information from the entire database alongside each question. Given the manageable complexity of connections in the Spider dataset, the model reliably identifies links from available information. Consequently, during training, the model familiarizes itself with databases and successfully predicts questions in the dev set.</a:t>
             </a:r>
           </a:p>
           <a:p>
@@ -727,17 +721,10 @@
           <a:p>
             <a:r>
               <a:rPr lang="en-US" dirty="0"/>
-              <a:t>Models trained with machine-translated data also exhibited inferior performance compared to their counterparts. Despite providing additional context to the LLM for more accurate translation, it failed to produce results comparable to those from human-curated datasets.</a:t>
-            </a:r>
-          </a:p>
-          <a:p>
-            <a:endParaRPr lang="en-US" dirty="0"/>
-          </a:p>
-          <a:p>
-            <a:r>
-              <a:rPr lang="en-US" dirty="0"/>
-              <a:t>The decline in performance can largely be attributed to the polysemy (multiple meanings) of the Greek language and the inability of Language Learning Models to fully grasp the context of questions. Despite access to database information, achieving an ideal translation that aligns perfectly with specified database tables and columns remains unsatisfactory</a:t>
-            </a:r>
+              <a:t>BULLET 3: uses different databases unfamiliar to the model. In this scenario, the model will heavily rely on mapping between questions and tables/columns to achieve accurate results.</a:t>
+            </a:r>
+          </a:p>
+          <a:p>
             <a:endParaRPr lang="el-GR" dirty="0"/>
           </a:p>
         </p:txBody>
@@ -759,7 +746,7 @@
           <a:p>
             <a:fld id="{5C8EBDBD-B5B6-4C5C-8990-1648C105756E}" type="slidenum">
               <a:rPr lang="en-US" smtClean="0"/>
-              <a:t>14</a:t>
+              <a:t>13</a:t>
             </a:fld>
             <a:endParaRPr lang="en-US"/>
           </a:p>
@@ -768,7 +755,7 @@
     </p:spTree>
     <p:extLst>
       <p:ext uri="{BB962C8B-B14F-4D97-AF65-F5344CB8AC3E}">
-        <p14:creationId xmlns:p14="http://schemas.microsoft.com/office/powerpoint/2010/main" val="2297586886"/>
+        <p14:creationId xmlns:p14="http://schemas.microsoft.com/office/powerpoint/2010/main" val="2996427109"/>
       </p:ext>
     </p:extLst>
   </p:cSld>
@@ -823,17 +810,31 @@
           <a:lstStyle/>
           <a:p>
             <a:r>
-              <a:rPr lang="en-US" dirty="0"/>
-              <a:t>STUDY: QA EXAMPLES</a:t>
-            </a:r>
-          </a:p>
-          <a:p>
-            <a:r>
-              <a:rPr lang="en-US" dirty="0"/>
-              <a:t>ES EXAMPLES</a:t>
-            </a:r>
-          </a:p>
-          <a:p>
+              <a:rPr lang="el-GR" dirty="0"/>
+              <a:t>5628.85%</a:t>
+            </a:r>
+            <a:r>
+              <a:rPr lang="en-US" dirty="0"/>
+              <a:t> More English data than Greek in mt5 training</a:t>
+            </a:r>
+          </a:p>
+          <a:p>
+            <a:endParaRPr lang="en-US" dirty="0"/>
+          </a:p>
+          <a:p>
+            <a:r>
+              <a:rPr lang="en-US" dirty="0"/>
+              <a:t>Models trained with machine-translated data also exhibited inferior performance compared to their counterparts. Despite providing additional context to the LLM for more accurate translation, it failed to produce results comparable to those from human-curated datasets.</a:t>
+            </a:r>
+          </a:p>
+          <a:p>
+            <a:endParaRPr lang="en-US" dirty="0"/>
+          </a:p>
+          <a:p>
+            <a:r>
+              <a:rPr lang="en-US" dirty="0"/>
+              <a:t>The decline in performance can largely be attributed to the polysemy (multiple meanings) of the Greek language and the inability of Language Learning Models to fully grasp the context of questions. Despite access to database information, achieving an ideal translation that aligns perfectly with specified database tables and columns remains unsatisfactory</a:t>
+            </a:r>
             <a:endParaRPr lang="el-GR" dirty="0"/>
           </a:p>
         </p:txBody>
@@ -855,7 +856,7 @@
           <a:p>
             <a:fld id="{5C8EBDBD-B5B6-4C5C-8990-1648C105756E}" type="slidenum">
               <a:rPr lang="en-US" smtClean="0"/>
-              <a:t>15</a:t>
+              <a:t>14</a:t>
             </a:fld>
             <a:endParaRPr lang="en-US"/>
           </a:p>
@@ -864,7 +865,7 @@
     </p:spTree>
     <p:extLst>
       <p:ext uri="{BB962C8B-B14F-4D97-AF65-F5344CB8AC3E}">
-        <p14:creationId xmlns:p14="http://schemas.microsoft.com/office/powerpoint/2010/main" val="1199792721"/>
+        <p14:creationId xmlns:p14="http://schemas.microsoft.com/office/powerpoint/2010/main" val="2297586886"/>
       </p:ext>
     </p:extLst>
   </p:cSld>
@@ -918,6 +919,102 @@
           <a:bodyPr/>
           <a:lstStyle/>
           <a:p>
+            <a:r>
+              <a:rPr lang="en-US" dirty="0"/>
+              <a:t>STUDY: QA EXAMPLES</a:t>
+            </a:r>
+          </a:p>
+          <a:p>
+            <a:r>
+              <a:rPr lang="en-US" dirty="0"/>
+              <a:t>ES EXAMPLES</a:t>
+            </a:r>
+          </a:p>
+          <a:p>
+            <a:endParaRPr lang="el-GR" dirty="0"/>
+          </a:p>
+        </p:txBody>
+      </p:sp>
+      <p:sp>
+        <p:nvSpPr>
+          <p:cNvPr id="4" name="Slide Number Placeholder 3"/>
+          <p:cNvSpPr>
+            <a:spLocks noGrp="1"/>
+          </p:cNvSpPr>
+          <p:nvPr>
+            <p:ph type="sldNum" sz="quarter" idx="5"/>
+          </p:nvPr>
+        </p:nvSpPr>
+        <p:spPr/>
+        <p:txBody>
+          <a:bodyPr/>
+          <a:lstStyle/>
+          <a:p>
+            <a:fld id="{5C8EBDBD-B5B6-4C5C-8990-1648C105756E}" type="slidenum">
+              <a:rPr lang="en-US" smtClean="0"/>
+              <a:t>15</a:t>
+            </a:fld>
+            <a:endParaRPr lang="en-US"/>
+          </a:p>
+        </p:txBody>
+      </p:sp>
+    </p:spTree>
+    <p:extLst>
+      <p:ext uri="{BB962C8B-B14F-4D97-AF65-F5344CB8AC3E}">
+        <p14:creationId xmlns:p14="http://schemas.microsoft.com/office/powerpoint/2010/main" val="1199792721"/>
+      </p:ext>
+    </p:extLst>
+  </p:cSld>
+  <p:clrMapOvr>
+    <a:masterClrMapping/>
+  </p:clrMapOvr>
+</p:notes>
+</file>
+
+<file path=ppt/notesSlides/notesSlide14.xml><?xml version="1.0" encoding="utf-8"?>
+<p:notes xmlns:a="http://schemas.openxmlformats.org/drawingml/2006/main" xmlns:r="http://schemas.openxmlformats.org/officeDocument/2006/relationships" xmlns:p="http://schemas.openxmlformats.org/presentationml/2006/main">
+  <p:cSld>
+    <p:spTree>
+      <p:nvGrpSpPr>
+        <p:cNvPr id="1" name=""/>
+        <p:cNvGrpSpPr/>
+        <p:nvPr/>
+      </p:nvGrpSpPr>
+      <p:grpSpPr>
+        <a:xfrm>
+          <a:off x="0" y="0"/>
+          <a:ext cx="0" cy="0"/>
+          <a:chOff x="0" y="0"/>
+          <a:chExt cx="0" cy="0"/>
+        </a:xfrm>
+      </p:grpSpPr>
+      <p:sp>
+        <p:nvSpPr>
+          <p:cNvPr id="2" name="Slide Image Placeholder 1"/>
+          <p:cNvSpPr>
+            <a:spLocks noGrp="1" noRot="1" noChangeAspect="1"/>
+          </p:cNvSpPr>
+          <p:nvPr>
+            <p:ph type="sldImg"/>
+          </p:nvPr>
+        </p:nvSpPr>
+        <p:spPr/>
+      </p:sp>
+      <p:sp>
+        <p:nvSpPr>
+          <p:cNvPr id="3" name="Notes Placeholder 2"/>
+          <p:cNvSpPr>
+            <a:spLocks noGrp="1"/>
+          </p:cNvSpPr>
+          <p:nvPr>
+            <p:ph type="body" idx="1"/>
+          </p:nvPr>
+        </p:nvSpPr>
+        <p:spPr/>
+        <p:txBody>
+          <a:bodyPr/>
+          <a:lstStyle/>
+          <a:p>
             <a:endParaRPr lang="el-GR" dirty="0"/>
           </a:p>
         </p:txBody>
@@ -949,6 +1046,254 @@
     <p:extLst>
       <p:ext uri="{BB962C8B-B14F-4D97-AF65-F5344CB8AC3E}">
         <p14:creationId xmlns:p14="http://schemas.microsoft.com/office/powerpoint/2010/main" val="3677250174"/>
+      </p:ext>
+    </p:extLst>
+  </p:cSld>
+  <p:clrMapOvr>
+    <a:masterClrMapping/>
+  </p:clrMapOvr>
+</p:notes>
+</file>
+
+<file path=ppt/notesSlides/notesSlide15.xml><?xml version="1.0" encoding="utf-8"?>
+<p:notes xmlns:a="http://schemas.openxmlformats.org/drawingml/2006/main" xmlns:r="http://schemas.openxmlformats.org/officeDocument/2006/relationships" xmlns:p="http://schemas.openxmlformats.org/presentationml/2006/main">
+  <p:cSld>
+    <p:spTree>
+      <p:nvGrpSpPr>
+        <p:cNvPr id="1" name=""/>
+        <p:cNvGrpSpPr/>
+        <p:nvPr/>
+      </p:nvGrpSpPr>
+      <p:grpSpPr>
+        <a:xfrm>
+          <a:off x="0" y="0"/>
+          <a:ext cx="0" cy="0"/>
+          <a:chOff x="0" y="0"/>
+          <a:chExt cx="0" cy="0"/>
+        </a:xfrm>
+      </p:grpSpPr>
+      <p:sp>
+        <p:nvSpPr>
+          <p:cNvPr id="2" name="Slide Image Placeholder 1"/>
+          <p:cNvSpPr>
+            <a:spLocks noGrp="1" noRot="1" noChangeAspect="1"/>
+          </p:cNvSpPr>
+          <p:nvPr>
+            <p:ph type="sldImg"/>
+          </p:nvPr>
+        </p:nvSpPr>
+        <p:spPr/>
+      </p:sp>
+      <p:sp>
+        <p:nvSpPr>
+          <p:cNvPr id="3" name="Notes Placeholder 2"/>
+          <p:cNvSpPr>
+            <a:spLocks noGrp="1"/>
+          </p:cNvSpPr>
+          <p:nvPr>
+            <p:ph type="body" idx="1"/>
+          </p:nvPr>
+        </p:nvSpPr>
+        <p:spPr/>
+        <p:txBody>
+          <a:bodyPr/>
+          <a:lstStyle/>
+          <a:p>
+            <a:r>
+              <a:rPr lang="en-US" dirty="0"/>
+              <a:t>So, what we have seen. We introduced Gr Spider, the first Greek dataset for text-to-SQL applications. To create this dataset, we translated the original dataset using Large Language Models, followed by our post-editing and verification efforts. We then used both the original and translated spider dataset to train the extended versions of RAT-SQL and DAIL-SQL models and finally, we presented and discussed the corresponding results.</a:t>
+            </a:r>
+            <a:endParaRPr lang="el-GR" dirty="0"/>
+          </a:p>
+        </p:txBody>
+      </p:sp>
+      <p:sp>
+        <p:nvSpPr>
+          <p:cNvPr id="4" name="Slide Number Placeholder 3"/>
+          <p:cNvSpPr>
+            <a:spLocks noGrp="1"/>
+          </p:cNvSpPr>
+          <p:nvPr>
+            <p:ph type="sldNum" sz="quarter" idx="5"/>
+          </p:nvPr>
+        </p:nvSpPr>
+        <p:spPr/>
+        <p:txBody>
+          <a:bodyPr/>
+          <a:lstStyle/>
+          <a:p>
+            <a:fld id="{5C8EBDBD-B5B6-4C5C-8990-1648C105756E}" type="slidenum">
+              <a:rPr lang="en-US" smtClean="0"/>
+              <a:t>18</a:t>
+            </a:fld>
+            <a:endParaRPr lang="en-US"/>
+          </a:p>
+        </p:txBody>
+      </p:sp>
+    </p:spTree>
+    <p:extLst>
+      <p:ext uri="{BB962C8B-B14F-4D97-AF65-F5344CB8AC3E}">
+        <p14:creationId xmlns:p14="http://schemas.microsoft.com/office/powerpoint/2010/main" val="54266160"/>
+      </p:ext>
+    </p:extLst>
+  </p:cSld>
+  <p:clrMapOvr>
+    <a:masterClrMapping/>
+  </p:clrMapOvr>
+</p:notes>
+</file>
+
+<file path=ppt/notesSlides/notesSlide16.xml><?xml version="1.0" encoding="utf-8"?>
+<p:notes xmlns:a="http://schemas.openxmlformats.org/drawingml/2006/main" xmlns:r="http://schemas.openxmlformats.org/officeDocument/2006/relationships" xmlns:p="http://schemas.openxmlformats.org/presentationml/2006/main">
+  <p:cSld>
+    <p:spTree>
+      <p:nvGrpSpPr>
+        <p:cNvPr id="1" name=""/>
+        <p:cNvGrpSpPr/>
+        <p:nvPr/>
+      </p:nvGrpSpPr>
+      <p:grpSpPr>
+        <a:xfrm>
+          <a:off x="0" y="0"/>
+          <a:ext cx="0" cy="0"/>
+          <a:chOff x="0" y="0"/>
+          <a:chExt cx="0" cy="0"/>
+        </a:xfrm>
+      </p:grpSpPr>
+      <p:sp>
+        <p:nvSpPr>
+          <p:cNvPr id="2" name="Slide Image Placeholder 1"/>
+          <p:cNvSpPr>
+            <a:spLocks noGrp="1" noRot="1" noChangeAspect="1"/>
+          </p:cNvSpPr>
+          <p:nvPr>
+            <p:ph type="sldImg"/>
+          </p:nvPr>
+        </p:nvSpPr>
+        <p:spPr/>
+      </p:sp>
+      <p:sp>
+        <p:nvSpPr>
+          <p:cNvPr id="3" name="Notes Placeholder 2"/>
+          <p:cNvSpPr>
+            <a:spLocks noGrp="1"/>
+          </p:cNvSpPr>
+          <p:nvPr>
+            <p:ph type="body" idx="1"/>
+          </p:nvPr>
+        </p:nvSpPr>
+        <p:spPr/>
+        <p:txBody>
+          <a:bodyPr/>
+          <a:lstStyle/>
+          <a:p>
+            <a:pPr algn="l"/>
+            <a:r>
+              <a:rPr lang="en-US" sz="1800" b="0" i="0" u="none" strike="noStrike" baseline="0" dirty="0">
+                <a:latin typeface="CMR10"/>
+              </a:rPr>
+              <a:t>Feature work will include </a:t>
+            </a:r>
+            <a:r>
+              <a:rPr lang="en-US" sz="1800" b="0" i="0" u="none" strike="noStrike" baseline="0" dirty="0">
+                <a:latin typeface="CMTI10"/>
+              </a:rPr>
+              <a:t>(1) </a:t>
+            </a:r>
+            <a:r>
+              <a:rPr lang="en-US" sz="1800" b="0" i="0" u="none" strike="noStrike" baseline="0" dirty="0">
+                <a:latin typeface="CMR10"/>
+              </a:rPr>
+              <a:t>completing the entire translation for both train and test data, </a:t>
+            </a:r>
+            <a:r>
+              <a:rPr lang="en-US" sz="1800" b="0" i="0" u="none" strike="noStrike" baseline="0" dirty="0">
+                <a:latin typeface="CMTI10"/>
+              </a:rPr>
+              <a:t>(2) </a:t>
+            </a:r>
+            <a:r>
+              <a:rPr lang="en-US" sz="1800" b="0" i="0" u="none" strike="noStrike" baseline="0" dirty="0">
+                <a:latin typeface="CMR10"/>
+              </a:rPr>
+              <a:t>training RAT-SQL with the large version of the selected multilingual pre-trained models while utilizing</a:t>
+            </a:r>
+          </a:p>
+          <a:p>
+            <a:pPr algn="l"/>
+            <a:r>
+              <a:rPr lang="en-US" sz="1800" b="0" i="0" u="none" strike="noStrike" baseline="0" dirty="0">
+                <a:latin typeface="CMR10"/>
+              </a:rPr>
+              <a:t>other stemmers for Greek </a:t>
+            </a:r>
+            <a:r>
+              <a:rPr lang="en-US" sz="1800" b="0" i="0" u="none" strike="noStrike" baseline="0" dirty="0">
+                <a:latin typeface="CMR7"/>
+              </a:rPr>
+              <a:t> (like </a:t>
+            </a:r>
+            <a:r>
+              <a:rPr lang="en-US" sz="1800" b="0" i="0" u="none" strike="noStrike" baseline="0" dirty="0" err="1">
+                <a:latin typeface="CMR7"/>
+              </a:rPr>
+              <a:t>skroutz</a:t>
+            </a:r>
+            <a:r>
+              <a:rPr lang="en-US" sz="1800" b="0" i="0" u="none" strike="noStrike" baseline="0" dirty="0">
+                <a:latin typeface="CMR7"/>
+              </a:rPr>
+              <a:t> stemmer) </a:t>
+            </a:r>
+            <a:r>
+              <a:rPr lang="en-US" sz="1800" b="0" i="0" u="none" strike="noStrike" baseline="0" dirty="0">
+                <a:latin typeface="CMR10"/>
+              </a:rPr>
+              <a:t>and </a:t>
+            </a:r>
+            <a:r>
+              <a:rPr lang="en-US" sz="1800" b="0" i="0" u="none" strike="noStrike" baseline="0" dirty="0">
+                <a:latin typeface="CMTI10"/>
+              </a:rPr>
+              <a:t>(3) </a:t>
+            </a:r>
+            <a:r>
+              <a:rPr lang="en-US" sz="1800" b="0" i="0" u="none" strike="noStrike" baseline="0" dirty="0">
+                <a:latin typeface="CMR10"/>
+              </a:rPr>
+              <a:t>evaluating different configurations in DAIL-SQL to determine the best ones for the Greek dataset.</a:t>
+            </a:r>
+            <a:endParaRPr lang="el-GR" dirty="0"/>
+          </a:p>
+        </p:txBody>
+      </p:sp>
+      <p:sp>
+        <p:nvSpPr>
+          <p:cNvPr id="4" name="Slide Number Placeholder 3"/>
+          <p:cNvSpPr>
+            <a:spLocks noGrp="1"/>
+          </p:cNvSpPr>
+          <p:nvPr>
+            <p:ph type="sldNum" sz="quarter" idx="5"/>
+          </p:nvPr>
+        </p:nvSpPr>
+        <p:spPr/>
+        <p:txBody>
+          <a:bodyPr/>
+          <a:lstStyle/>
+          <a:p>
+            <a:fld id="{5C8EBDBD-B5B6-4C5C-8990-1648C105756E}" type="slidenum">
+              <a:rPr lang="en-US" smtClean="0"/>
+              <a:t>19</a:t>
+            </a:fld>
+            <a:endParaRPr lang="en-US"/>
+          </a:p>
+        </p:txBody>
+      </p:sp>
+    </p:spTree>
+    <p:extLst>
+      <p:ext uri="{BB962C8B-B14F-4D97-AF65-F5344CB8AC3E}">
+        <p14:creationId xmlns:p14="http://schemas.microsoft.com/office/powerpoint/2010/main" val="273771696"/>
       </p:ext>
     </p:extLst>
   </p:cSld>
@@ -1086,52 +1431,39 @@
           <a:bodyPr/>
           <a:lstStyle/>
           <a:p>
-            <a:pPr marL="0" marR="0" lvl="0" indent="0" algn="l" defTabSz="914400" rtl="0" eaLnBrk="1" fontAlgn="auto" latinLnBrk="0" hangingPunct="1">
-              <a:lnSpc>
-                <a:spcPct val="100000"/>
-              </a:lnSpc>
-              <a:spcBef>
-                <a:spcPts val="0"/>
-              </a:spcBef>
-              <a:spcAft>
-                <a:spcPts val="0"/>
-              </a:spcAft>
-              <a:buClrTx/>
-              <a:buSzTx/>
-              <a:buFontTx/>
-              <a:buNone/>
-              <a:tabLst/>
-              <a:defRPr/>
-            </a:pPr>
-            <a:r>
-              <a:rPr lang="en-US" dirty="0"/>
-              <a:t>System Prompts Design: Specific prompts designed to guide the LLMs in translating the Spider dataset.</a:t>
-            </a:r>
-          </a:p>
-          <a:p>
-            <a:pPr marL="0" marR="0" lvl="0" indent="0" algn="l" defTabSz="914400" rtl="0" eaLnBrk="1" fontAlgn="auto" latinLnBrk="0" hangingPunct="1">
-              <a:lnSpc>
-                <a:spcPct val="100000"/>
-              </a:lnSpc>
-              <a:spcBef>
-                <a:spcPts val="0"/>
-              </a:spcBef>
-              <a:spcAft>
-                <a:spcPts val="0"/>
-              </a:spcAft>
-              <a:buClrTx/>
-              <a:buSzTx/>
-              <a:buFontTx/>
-              <a:buNone/>
-              <a:tabLst/>
-              <a:defRPr/>
-            </a:pPr>
-            <a:r>
-              <a:rPr lang="en-US" dirty="0"/>
-              <a:t>Input Format for LLMs: Developed a structured input format to feed into the LLMs for translation.</a:t>
-            </a:r>
-          </a:p>
-          <a:p>
+            <a:pPr algn="l"/>
+            <a:r>
+              <a:rPr lang="en-US" sz="2800" dirty="0"/>
+              <a:t>Due to the course’s time constraints, we used only a subset of the data. We split the development data into the required files (</a:t>
+            </a:r>
+            <a:r>
+              <a:rPr lang="en-US" sz="2800" dirty="0" err="1"/>
+              <a:t>train_spider.json</a:t>
+            </a:r>
+            <a:r>
+              <a:rPr lang="en-US" sz="2800" dirty="0"/>
+              <a:t>, </a:t>
+            </a:r>
+            <a:r>
+              <a:rPr lang="en-US" sz="2800" dirty="0" err="1"/>
+              <a:t>train_others.json</a:t>
+            </a:r>
+            <a:r>
+              <a:rPr lang="en-US" sz="2800" dirty="0"/>
+              <a:t>, </a:t>
+            </a:r>
+            <a:r>
+              <a:rPr lang="en-US" sz="2800" dirty="0" err="1"/>
+              <a:t>dev.json</a:t>
+            </a:r>
+            <a:r>
+              <a:rPr lang="en-US" sz="2800" dirty="0"/>
+              <a:t>) to match the proportions of the data in the original files, as shown in Table 1. On the left side of the table, we can see the number of questions in the original Spider dataset and on the right, the data in our version, as well as the corresponding proportions. We will refer to this dataset as 'Mini-Spider' and the equivalent dataset in Greek as 'Mini-Gr-Spider’. </a:t>
+            </a:r>
+            <a:r>
+              <a:rPr lang="en-US" sz="4000" dirty="0"/>
+              <a:t>Regarding the database details, it consists of twenty distinct schemas, with eighty-one tables and four hundred forty-one columns, along with one thousand thirty-four related questions</a:t>
+            </a:r>
             <a:endParaRPr lang="el-GR" dirty="0"/>
           </a:p>
         </p:txBody>
@@ -1153,7 +1485,7 @@
           <a:p>
             <a:fld id="{5C8EBDBD-B5B6-4C5C-8990-1648C105756E}" type="slidenum">
               <a:rPr lang="en-US" smtClean="0"/>
-              <a:t>6</a:t>
+              <a:t>5</a:t>
             </a:fld>
             <a:endParaRPr lang="en-US"/>
           </a:p>
@@ -1162,7 +1494,7 @@
     </p:spTree>
     <p:extLst>
       <p:ext uri="{BB962C8B-B14F-4D97-AF65-F5344CB8AC3E}">
-        <p14:creationId xmlns:p14="http://schemas.microsoft.com/office/powerpoint/2010/main" val="1002680127"/>
+        <p14:creationId xmlns:p14="http://schemas.microsoft.com/office/powerpoint/2010/main" val="518841860"/>
       </p:ext>
     </p:extLst>
   </p:cSld>
@@ -1216,17 +1548,44 @@
           <a:bodyPr/>
           <a:lstStyle/>
           <a:p>
-            <a:r>
-              <a:rPr lang="en-US" dirty="0"/>
-              <a:t>Llama 3 and Meltemi were provided by </a:t>
-            </a:r>
-            <a:r>
-              <a:rPr lang="en-US" dirty="0" err="1"/>
-              <a:t>Ollama</a:t>
-            </a:r>
-            <a:r>
-              <a:rPr lang="en-US" dirty="0"/>
-              <a:t>, while GPT-3.5 Turbo was accessed via the Microsoft Azure OpenAI Service.</a:t>
+            <a:pPr algn="l"/>
+            <a:r>
+              <a:rPr lang="en-US" sz="1800" b="0" i="0" u="none" strike="noStrike" baseline="0" dirty="0">
+                <a:latin typeface="CMR10"/>
+              </a:rPr>
+              <a:t>The translation process is structured into two steps: First, we translated the schema, including table and column names. Next, the question translation was performed using the translated schema as a reference. To increase efficiency and avoid manual translation of all information, we first used Large Language Models in order to translate the Spider dataset. Then, we correct and post-edit the translations, utilizing any gathered contextual information. The final translation at each stage </a:t>
+            </a:r>
+            <a:r>
+              <a:rPr lang="en-US" sz="1800" b="0" i="0" u="none" strike="noStrike" baseline="0" dirty="0" err="1">
+                <a:latin typeface="CMR10"/>
+              </a:rPr>
+              <a:t>resultef</a:t>
+            </a:r>
+            <a:r>
+              <a:rPr lang="en-US" sz="1800" b="0" i="0" u="none" strike="noStrike" baseline="0" dirty="0">
+                <a:latin typeface="CMR10"/>
+              </a:rPr>
+              <a:t> from a cross-check between ours post-editing efforts. LLMs were selected </a:t>
+            </a:r>
+            <a:r>
+              <a:rPr lang="en-US" sz="2800" dirty="0"/>
+              <a:t>for their translation capabilities. </a:t>
+            </a:r>
+            <a:r>
+              <a:rPr lang="en-US" sz="1800" b="0" i="0" u="none" strike="noStrike" baseline="0" dirty="0">
+                <a:latin typeface="CMR10"/>
+              </a:rPr>
+              <a:t>For the translation task, we designed specific system prompts, which are outlined in Table 2. Also, we created </a:t>
+            </a:r>
+            <a:r>
+              <a:rPr lang="en-US" sz="1800" dirty="0"/>
+              <a:t>a structured input format</a:t>
+            </a:r>
+            <a:r>
+              <a:rPr lang="en-US" sz="1800" b="0" i="0" u="none" strike="noStrike" baseline="0" dirty="0">
+                <a:latin typeface="CMR10"/>
+              </a:rPr>
+              <a:t> to feed into the language models to obtain the translated information. An example of these inputs can be seen in the image. </a:t>
             </a:r>
             <a:endParaRPr lang="el-GR" dirty="0"/>
           </a:p>
@@ -1249,7 +1608,7 @@
           <a:p>
             <a:fld id="{5C8EBDBD-B5B6-4C5C-8990-1648C105756E}" type="slidenum">
               <a:rPr lang="en-US" smtClean="0"/>
-              <a:t>7</a:t>
+              <a:t>6</a:t>
             </a:fld>
             <a:endParaRPr lang="en-US"/>
           </a:p>
@@ -1258,7 +1617,7 @@
     </p:spTree>
     <p:extLst>
       <p:ext uri="{BB962C8B-B14F-4D97-AF65-F5344CB8AC3E}">
-        <p14:creationId xmlns:p14="http://schemas.microsoft.com/office/powerpoint/2010/main" val="1559829647"/>
+        <p14:creationId xmlns:p14="http://schemas.microsoft.com/office/powerpoint/2010/main" val="1002680127"/>
       </p:ext>
     </p:extLst>
   </p:cSld>
@@ -1312,21 +1671,57 @@
           <a:bodyPr/>
           <a:lstStyle/>
           <a:p>
-            <a:r>
-              <a:rPr lang="en-US" dirty="0"/>
-              <a:t>Schema information lacks clarity regarding its intended reference. For example, terms like 'Student' could refer to various educational levels (college, school, doctoral candidate).</a:t>
-            </a:r>
-          </a:p>
-          <a:p>
-            <a:r>
-              <a:rPr lang="en-US" dirty="0"/>
-              <a:t>In English, 'State' typically refers to federal states (like those in the United States), while in Greek, it pertains to the organization of a city-state or a form of government</a:t>
-            </a:r>
-          </a:p>
-          <a:p>
-            <a:r>
-              <a:rPr lang="en-US" dirty="0"/>
-              <a:t>Certain words in English have multiple meanings in Greek. For example, 'Transcript' could refer to a general written or printed material or a specific record of study in different contexts.</a:t>
+            <a:pPr algn="l"/>
+            <a:r>
+              <a:rPr lang="en-US" sz="1800" b="0" i="0" u="none" strike="noStrike" baseline="0" dirty="0">
+                <a:solidFill>
+                  <a:srgbClr val="000000"/>
+                </a:solidFill>
+                <a:latin typeface="CMR10"/>
+              </a:rPr>
+              <a:t>Regarding the Large Language Models evaluation, we examined three models for their suitability for English-to-Greek translation namely Llama 3 , Meltemi</a:t>
+            </a:r>
+            <a:r>
+              <a:rPr lang="en-US" sz="1800" b="0" i="0" u="none" strike="noStrike" baseline="0" dirty="0">
+                <a:solidFill>
+                  <a:srgbClr val="000000"/>
+                </a:solidFill>
+                <a:latin typeface="CMR7"/>
+              </a:rPr>
+              <a:t> </a:t>
+            </a:r>
+            <a:r>
+              <a:rPr lang="en-US" sz="1800" b="0" i="0" u="none" strike="noStrike" baseline="0" dirty="0">
+                <a:solidFill>
+                  <a:srgbClr val="000000"/>
+                </a:solidFill>
+                <a:latin typeface="CMR10"/>
+              </a:rPr>
+              <a:t>and Gpt-3.5 Turbo. To identify the optimal model, we manually translated 3 schemas into Greek, comprising </a:t>
+            </a:r>
+            <a:r>
+              <a:rPr lang="en-US" sz="1800" b="0" i="0" u="none" strike="noStrike" baseline="0" dirty="0">
+                <a:solidFill>
+                  <a:srgbClr val="FF0000"/>
+                </a:solidFill>
+                <a:latin typeface="CMR10"/>
+              </a:rPr>
+              <a:t>of </a:t>
+            </a:r>
+            <a:r>
+              <a:rPr lang="en-US" sz="1800" b="0" i="0" u="none" strike="noStrike" baseline="0" dirty="0">
+                <a:solidFill>
+                  <a:srgbClr val="000000"/>
+                </a:solidFill>
+                <a:latin typeface="CMR10"/>
+              </a:rPr>
+              <a:t>18 tables and 89 columns. Subsequently, we fed the 258 relevant questions into the models using the previously mentioned prompts and obtained the translated questions. We then validated these translations to assess their accuracy. As we can see in Table 3, Gpt-3.5 Turbo translated the most questions correctly, leading us to select it for the subsequent translation tasks. The ‘No one’ entry shows the percentage of questions that were incorrectly translated by all the language models. It </a:t>
+            </a:r>
+            <a:r>
+              <a:rPr lang="en-US" sz="1800" b="0" i="0" u="none" strike="noStrike" baseline="0" dirty="0">
+                <a:latin typeface="CMR10"/>
+              </a:rPr>
+              <a:t>is worth noting that translated questions produced by LLMs, which included additional text such as explanations for why the question was translated a certain way or definitions of tables and columns, were marked as incorrect. This is caused by the models’ ‘babbling’ behavior, especially in Llama3 and Meltemi. This is the main reason why these models have not achieved good accuracy</a:t>
             </a:r>
             <a:endParaRPr lang="el-GR" dirty="0"/>
           </a:p>
@@ -1349,7 +1744,7 @@
           <a:p>
             <a:fld id="{5C8EBDBD-B5B6-4C5C-8990-1648C105756E}" type="slidenum">
               <a:rPr lang="en-US" smtClean="0"/>
-              <a:t>8</a:t>
+              <a:t>7</a:t>
             </a:fld>
             <a:endParaRPr lang="en-US"/>
           </a:p>
@@ -1358,7 +1753,7 @@
     </p:spTree>
     <p:extLst>
       <p:ext uri="{BB962C8B-B14F-4D97-AF65-F5344CB8AC3E}">
-        <p14:creationId xmlns:p14="http://schemas.microsoft.com/office/powerpoint/2010/main" val="2913097291"/>
+        <p14:creationId xmlns:p14="http://schemas.microsoft.com/office/powerpoint/2010/main" val="1559829647"/>
       </p:ext>
     </p:extLst>
   </p:cSld>
@@ -1412,26 +1807,58 @@
           <a:bodyPr/>
           <a:lstStyle/>
           <a:p>
-            <a:pPr marL="0" marR="0" lvl="0" indent="0" algn="l" defTabSz="914400" rtl="0" eaLnBrk="1" fontAlgn="auto" latinLnBrk="0" hangingPunct="1">
-              <a:lnSpc>
-                <a:spcPct val="100000"/>
-              </a:lnSpc>
-              <a:spcBef>
-                <a:spcPts val="0"/>
-              </a:spcBef>
-              <a:spcAft>
-                <a:spcPts val="0"/>
-              </a:spcAft>
-              <a:buClrTx/>
-              <a:buSzTx/>
-              <a:buFontTx/>
-              <a:buNone/>
-              <a:tabLst/>
-              <a:defRPr/>
-            </a:pPr>
-            <a:r>
-              <a:rPr lang="en-US" dirty="0"/>
-              <a:t>Content within sentences was reorganized, unnecessary words were eliminated In order for sentence structures to be more human like</a:t>
+            <a:pPr algn="l"/>
+            <a:r>
+              <a:rPr lang="en-US" sz="1800" b="0" i="0" u="none" strike="noStrike" baseline="0" dirty="0">
+                <a:latin typeface="CMR10"/>
+              </a:rPr>
+              <a:t>Based on our initial investigation, we have identified the most common errors that arise when translating the spider dataset covering both schema and questions. </a:t>
+            </a:r>
+            <a:r>
+              <a:rPr lang="en-US" sz="1800" b="0" i="0" u="none" strike="noStrike" baseline="0" dirty="0">
+                <a:latin typeface="CMBX10"/>
+              </a:rPr>
+              <a:t>The first one is Ambiguity in Context and Domain Knowledge: this means that </a:t>
+            </a:r>
+            <a:r>
+              <a:rPr lang="en-US" sz="1800" b="0" i="0" u="none" strike="noStrike" baseline="0" dirty="0">
+                <a:latin typeface="CMR10"/>
+              </a:rPr>
+              <a:t>some schema information lacks clarity regarding its intended reference. For instance, the term ‘Student’ may be relevant to a college attendee, a school-level student or even a doctoral candidate. Additionally, there are abbreviations, especially in column names, whose specific meaning is unclear. In such cases, we refer to the questions that use this information to validate the logic. </a:t>
+            </a:r>
+            <a:r>
+              <a:rPr lang="en-US" sz="1800" b="0" i="0" u="none" strike="noStrike" baseline="0" dirty="0">
+                <a:latin typeface="CMBX10"/>
+              </a:rPr>
+              <a:t>Next, we have the Non-1-1 Association </a:t>
+            </a:r>
+            <a:r>
+              <a:rPr lang="en-US" sz="2800" dirty="0"/>
+              <a:t>problem</a:t>
+            </a:r>
+            <a:r>
+              <a:rPr lang="en-US" sz="1800" b="0" i="0" u="none" strike="noStrike" baseline="0" dirty="0">
+                <a:latin typeface="CMBX10"/>
+              </a:rPr>
+              <a:t>: </a:t>
+            </a:r>
+            <a:r>
+              <a:rPr lang="en-US" sz="1800" b="0" i="0" u="none" strike="noStrike" baseline="0" dirty="0">
+                <a:latin typeface="CMR10"/>
+              </a:rPr>
+              <a:t>Some English words do not have exact equivalents in Greek. For instance, the word ’State’ can be translated as ‘Politeia’, but in English, it typically means each of the federal states constituting the United States, whereas in Greek, it refers to the organization of a city-state or the form of government. </a:t>
+            </a:r>
+            <a:r>
+              <a:rPr lang="en-US" sz="1800" b="0" i="0" u="none" strike="noStrike" baseline="0" dirty="0">
+                <a:latin typeface="CMBX10"/>
+              </a:rPr>
+              <a:t>Finally we have the Entity polysemy challenge: </a:t>
+            </a:r>
+            <a:r>
+              <a:rPr lang="en-US" sz="1800" b="0" i="0" u="none" strike="noStrike" baseline="0" dirty="0">
+                <a:latin typeface="CMR10"/>
+              </a:rPr>
+              <a:t>Certain words have multiple meanings in Greek. For example, the word ‘Transcript’ can refer to a general written or printed material, but it can also refer to a record study of a student .</a:t>
             </a:r>
             <a:endParaRPr lang="el-GR" dirty="0"/>
           </a:p>
@@ -1454,7 +1881,7 @@
           <a:p>
             <a:fld id="{5C8EBDBD-B5B6-4C5C-8990-1648C105756E}" type="slidenum">
               <a:rPr lang="en-US" smtClean="0"/>
-              <a:t>9</a:t>
+              <a:t>8</a:t>
             </a:fld>
             <a:endParaRPr lang="en-US"/>
           </a:p>
@@ -1463,7 +1890,7 @@
     </p:spTree>
     <p:extLst>
       <p:ext uri="{BB962C8B-B14F-4D97-AF65-F5344CB8AC3E}">
-        <p14:creationId xmlns:p14="http://schemas.microsoft.com/office/powerpoint/2010/main" val="3454537888"/>
+        <p14:creationId xmlns:p14="http://schemas.microsoft.com/office/powerpoint/2010/main" val="2913097291"/>
       </p:ext>
     </p:extLst>
   </p:cSld>
@@ -1517,27 +1944,91 @@
           <a:bodyPr/>
           <a:lstStyle/>
           <a:p>
-            <a:pPr marL="0" marR="0" lvl="0" indent="0" algn="l" defTabSz="914400" rtl="0" eaLnBrk="1" fontAlgn="auto" latinLnBrk="0" hangingPunct="1">
-              <a:lnSpc>
-                <a:spcPct val="100000"/>
-              </a:lnSpc>
-              <a:spcBef>
-                <a:spcPts val="0"/>
-              </a:spcBef>
-              <a:spcAft>
-                <a:spcPts val="0"/>
-              </a:spcAft>
-              <a:buClrTx/>
-              <a:buSzTx/>
-              <a:buFontTx/>
-              <a:buNone/>
-              <a:tabLst/>
-              <a:defRPr/>
-            </a:pPr>
-            <a:r>
-              <a:rPr lang="en-US" dirty="0"/>
-              <a:t>New baseline was required to be able to make comparisons since the existing literature uses the full version of the Spider Dataset.</a:t>
-            </a:r>
+            <a:pPr algn="l"/>
+            <a:r>
+              <a:rPr lang="en-US" sz="1800" b="0" i="0" u="none" strike="noStrike" baseline="0" dirty="0">
+                <a:latin typeface="CMR10"/>
+              </a:rPr>
+              <a:t>While Gpt-3.5 Turbo performed excellent in the translation process, we continued to refine the schema and the questions. Regarding the adjustments, we reorganized the content within sentences, eliminated unnecessary words and refined the sentence structures to sound more natural. Additionally, we corrected table and column names where needed. This was necessary because </a:t>
+            </a:r>
+            <a:r>
+              <a:rPr lang="en-US" sz="1800" b="0" i="0" u="none" strike="noStrike" baseline="0" dirty="0" err="1">
+                <a:latin typeface="CMR10"/>
+              </a:rPr>
+              <a:t>Gpt</a:t>
+            </a:r>
+            <a:r>
+              <a:rPr lang="en-US" sz="1800" b="0" i="0" u="none" strike="noStrike" baseline="0" dirty="0">
+                <a:latin typeface="CMR10"/>
+              </a:rPr>
+              <a:t>, occasionally, did not strictly follow the input keywords provided in the prompt. Instead, it translated the content from scratch.</a:t>
+            </a:r>
+          </a:p>
+          <a:p>
+            <a:pPr algn="l"/>
+            <a:r>
+              <a:rPr lang="en-US" sz="1800" b="0" i="0" u="none" strike="noStrike" baseline="0" dirty="0">
+                <a:latin typeface="CMR10"/>
+              </a:rPr>
+              <a:t>Details of the statistics of the post-editing data can be found in Table 4. The </a:t>
+            </a:r>
+            <a:r>
+              <a:rPr lang="en-US" sz="1800" b="0" i="0" u="none" strike="noStrike" baseline="0" dirty="0">
+                <a:latin typeface="CMTI10"/>
+              </a:rPr>
+              <a:t>is altered </a:t>
+            </a:r>
+            <a:r>
+              <a:rPr lang="en-US" sz="1800" b="0" i="0" u="none" strike="noStrike" baseline="0" dirty="0">
+                <a:latin typeface="CMR10"/>
+              </a:rPr>
+              <a:t>information in the table reveals the percentage of questions that were modified between the initial </a:t>
+            </a:r>
+            <a:r>
+              <a:rPr lang="en-US" sz="1800" b="0" i="0" u="none" strike="noStrike" baseline="0" dirty="0" err="1">
+                <a:latin typeface="CMR10"/>
+              </a:rPr>
+              <a:t>Gpt</a:t>
+            </a:r>
+            <a:r>
+              <a:rPr lang="en-US" sz="1800" b="0" i="0" u="none" strike="noStrike" baseline="0" dirty="0">
+                <a:latin typeface="CMR10"/>
+              </a:rPr>
+              <a:t> translation and the final translated version. As mentioned earlier, each annotator verified and post-edited the </a:t>
+            </a:r>
+            <a:r>
+              <a:rPr lang="en-US" sz="1800" b="0" i="0" u="none" strike="noStrike" baseline="0" dirty="0" err="1">
+                <a:latin typeface="CMR10"/>
+              </a:rPr>
+              <a:t>Gpt</a:t>
+            </a:r>
+            <a:r>
+              <a:rPr lang="en-US" sz="1800" b="0" i="0" u="none" strike="noStrike" baseline="0" dirty="0">
+                <a:latin typeface="CMR10"/>
+              </a:rPr>
+              <a:t> translation. The final translation resulted from a verification process of the post-edits. The </a:t>
+            </a:r>
+            <a:r>
+              <a:rPr lang="en-US" sz="1800" b="0" i="0" u="none" strike="noStrike" baseline="0" dirty="0">
+                <a:latin typeface="CMTI10"/>
+              </a:rPr>
+              <a:t>cross check </a:t>
+            </a:r>
+            <a:r>
+              <a:rPr lang="en-US" sz="1800" b="0" i="0" u="none" strike="noStrike" baseline="0" dirty="0">
+                <a:latin typeface="CMR10"/>
+              </a:rPr>
+              <a:t>information indicates the percentage of disagreement between our annotations (based only on the data that were altered).</a:t>
+            </a:r>
+          </a:p>
+          <a:p>
+            <a:pPr algn="l"/>
+            <a:endParaRPr lang="en-US" sz="1800" b="0" i="0" u="none" strike="noStrike" baseline="0" dirty="0">
+              <a:latin typeface="CMR10"/>
+            </a:endParaRPr>
+          </a:p>
+          <a:p>
+            <a:pPr algn="l"/>
             <a:endParaRPr lang="el-GR" dirty="0"/>
           </a:p>
         </p:txBody>
@@ -1559,7 +2050,7 @@
           <a:p>
             <a:fld id="{5C8EBDBD-B5B6-4C5C-8990-1648C105756E}" type="slidenum">
               <a:rPr lang="en-US" smtClean="0"/>
-              <a:t>10</a:t>
+              <a:t>9</a:t>
             </a:fld>
             <a:endParaRPr lang="en-US"/>
           </a:p>
@@ -1568,7 +2059,7 @@
     </p:spTree>
     <p:extLst>
       <p:ext uri="{BB962C8B-B14F-4D97-AF65-F5344CB8AC3E}">
-        <p14:creationId xmlns:p14="http://schemas.microsoft.com/office/powerpoint/2010/main" val="2650647421"/>
+        <p14:creationId xmlns:p14="http://schemas.microsoft.com/office/powerpoint/2010/main" val="3454537888"/>
       </p:ext>
     </p:extLst>
   </p:cSld>
@@ -1622,28 +2113,23 @@
           <a:bodyPr/>
           <a:lstStyle/>
           <a:p>
-            <a:r>
-              <a:rPr lang="en-US" dirty="0"/>
-              <a:t>The RAT-SQL [8] framework utilizes relation-aware self-attention to integrate global reasoning across schema entities and question words, alongside structured reasoning over predefined schema relations. This approach excels in generalizing to unseen database schemas by encoding database relations in a manner accessible to semantic parsers</a:t>
-            </a:r>
-          </a:p>
-          <a:p>
-            <a:endParaRPr lang="en-US" dirty="0"/>
-          </a:p>
-          <a:p>
-            <a:r>
-              <a:rPr lang="en-US" dirty="0"/>
-              <a:t>The </a:t>
-            </a:r>
-            <a:r>
-              <a:rPr lang="en-US" dirty="0" err="1"/>
-              <a:t>Simplemma</a:t>
-            </a:r>
-            <a:r>
-              <a:rPr lang="en-US" dirty="0"/>
-              <a:t> [9] lemmatizer was originally chosen for this framework but exhibited poorer performance in schema linking for the Greek dataset compared to the Stanza [10] lemmatizer</a:t>
-            </a:r>
-            <a:endParaRPr lang="el-GR" dirty="0"/>
+            <a:pPr algn="l"/>
+            <a:r>
+              <a:rPr lang="en-US" sz="4000" dirty="0"/>
+              <a:t>For the experiment, we explored two powerful Text-to-SQL models. RAT-SQL was utilized for a </a:t>
+            </a:r>
+            <a:r>
+              <a:rPr lang="en-US" sz="5400" dirty="0"/>
+              <a:t>traditional </a:t>
+            </a:r>
+            <a:r>
+              <a:rPr lang="en-US" sz="4000" dirty="0"/>
+              <a:t>machine learning approach to the Text-to-SQL problem, while DAIL-SQL was chosen to assess its effectiveness, employing advanced prompt engineering to leverage large language models (LLMs).</a:t>
+            </a:r>
+            <a:r>
+              <a:rPr lang="en-US" sz="5400" dirty="0"/>
+              <a:t> Additionally, since existing work uses the full version of the Spider Dataset while we use the Mini-Spider, we required a new baseline for each model to ensure meaningful evaluations. Therefore, we utilized the Mini-Spider dataset for training, evaluation and metric calculation, establishing the main reference for later analysis.</a:t>
+            </a:r>
           </a:p>
         </p:txBody>
       </p:sp>
@@ -1664,7 +2150,7 @@
           <a:p>
             <a:fld id="{5C8EBDBD-B5B6-4C5C-8990-1648C105756E}" type="slidenum">
               <a:rPr lang="en-US" smtClean="0"/>
-              <a:t>11</a:t>
+              <a:t>10</a:t>
             </a:fld>
             <a:endParaRPr lang="en-US"/>
           </a:p>
@@ -1673,7 +2159,7 @@
     </p:spTree>
     <p:extLst>
       <p:ext uri="{BB962C8B-B14F-4D97-AF65-F5344CB8AC3E}">
-        <p14:creationId xmlns:p14="http://schemas.microsoft.com/office/powerpoint/2010/main" val="146330010"/>
+        <p14:creationId xmlns:p14="http://schemas.microsoft.com/office/powerpoint/2010/main" val="2650647421"/>
       </p:ext>
     </p:extLst>
   </p:cSld>
@@ -1727,18 +2213,70 @@
           <a:bodyPr/>
           <a:lstStyle/>
           <a:p>
-            <a:r>
-              <a:rPr lang="en-US" dirty="0"/>
-              <a:t>We translate table names and column names, crucial for schema linking, while leaving other fields unchanged to preserve their original values. This ensures SQL queries reference the correct tables and columns. The translated schema is referred to as gr-schema, while the original remains labeled simply as schema.</a:t>
-            </a:r>
-          </a:p>
-          <a:p>
-            <a:endParaRPr lang="en-US" dirty="0"/>
-          </a:p>
-          <a:p>
-            <a:r>
-              <a:rPr lang="en-US" dirty="0"/>
-              <a:t>It's crucial to note that both the training and inference datasets utilize identical databases, significantly enhancing inference scores compared to scenarios where a database not used during training is employed</a:t>
+            <a:pPr algn="l"/>
+            <a:r>
+              <a:rPr lang="en-US" sz="1800" b="0" i="0" u="none" strike="noStrike" baseline="0" dirty="0">
+                <a:latin typeface="CMR10"/>
+              </a:rPr>
+              <a:t>RAT-SQL is a </a:t>
+            </a:r>
+            <a:r>
+              <a:rPr lang="en-US" sz="2800" dirty="0"/>
+              <a:t>traditional</a:t>
+            </a:r>
+            <a:r>
+              <a:rPr lang="en-US" sz="1800" dirty="0"/>
+              <a:t> Text-to-SQL model, which requires train and inference. The model </a:t>
+            </a:r>
+            <a:r>
+              <a:rPr lang="en-US" sz="1800" b="0" i="0" u="none" strike="noStrike" baseline="0" dirty="0">
+                <a:latin typeface="CMR10"/>
+              </a:rPr>
+              <a:t>manages to encode the database relations in an accessible way and to map columns and their mentions for a particular question. During the pre-processing phase, schema linking takes place. This is achieved by lemmatizing the questions, as well as the tables and the columns of the database, using the </a:t>
+            </a:r>
+            <a:r>
+              <a:rPr lang="en-US" sz="4000" dirty="0" err="1"/>
+              <a:t>simplemma</a:t>
+            </a:r>
+            <a:r>
+              <a:rPr lang="en-US" sz="1800" b="0" i="0" u="none" strike="noStrike" baseline="0" dirty="0">
+                <a:latin typeface="CMR10"/>
+              </a:rPr>
+              <a:t> library. Then the columns and tables are mapped to the questions, where possible. The </a:t>
+            </a:r>
+            <a:r>
+              <a:rPr lang="en-US" sz="1800" b="0" i="0" u="none" strike="noStrike" baseline="0" dirty="0" err="1">
+                <a:latin typeface="CMR10"/>
+              </a:rPr>
+              <a:t>mRAT</a:t>
+            </a:r>
+            <a:r>
+              <a:rPr lang="en-US" sz="1800" b="0" i="0" u="none" strike="noStrike" baseline="0" dirty="0">
+                <a:latin typeface="CMR10"/>
+              </a:rPr>
+              <a:t>-SQL model, incorporates multi-language models like mT5 and </a:t>
+            </a:r>
+            <a:r>
+              <a:rPr lang="en-US" sz="1800" b="0" i="0" u="none" strike="noStrike" baseline="0" dirty="0" err="1">
+                <a:latin typeface="CMR10"/>
+              </a:rPr>
+              <a:t>mBart</a:t>
+            </a:r>
+            <a:r>
+              <a:rPr lang="en-US" sz="1800" b="0" i="0" u="none" strike="noStrike" baseline="0" dirty="0">
+                <a:latin typeface="CMR10"/>
+              </a:rPr>
+              <a:t>, facilitating the training and inference processes across different languages. Regarding our extensions,. Through experimenting we found out that </a:t>
+            </a:r>
+            <a:r>
+              <a:rPr lang="en-US" sz="4000" dirty="0" err="1"/>
+              <a:t>simplemma</a:t>
+            </a:r>
+            <a:r>
+              <a:rPr lang="en-US" sz="1800" b="0" i="0" u="none" strike="noStrike" baseline="0" dirty="0">
+                <a:latin typeface="CMR10"/>
+              </a:rPr>
+              <a:t> lemmatizer performed worse at the schema linking process for the Greek dataset, when compared with the Stanza lemmatizer. As such, we added the support for the Stanza library.</a:t>
             </a:r>
             <a:endParaRPr lang="el-GR" dirty="0"/>
           </a:p>
@@ -1761,7 +2299,7 @@
           <a:p>
             <a:fld id="{5C8EBDBD-B5B6-4C5C-8990-1648C105756E}" type="slidenum">
               <a:rPr lang="en-US" smtClean="0"/>
-              <a:t>12</a:t>
+              <a:t>11</a:t>
             </a:fld>
             <a:endParaRPr lang="en-US"/>
           </a:p>
@@ -1770,7 +2308,7 @@
     </p:spTree>
     <p:extLst>
       <p:ext uri="{BB962C8B-B14F-4D97-AF65-F5344CB8AC3E}">
-        <p14:creationId xmlns:p14="http://schemas.microsoft.com/office/powerpoint/2010/main" val="2829386577"/>
+        <p14:creationId xmlns:p14="http://schemas.microsoft.com/office/powerpoint/2010/main" val="146330010"/>
       </p:ext>
     </p:extLst>
   </p:cSld>
@@ -1929,7 +2467,7 @@
           <a:p>
             <a:fld id="{84196782-5064-4F60-81B4-A0AB91B324D3}" type="datetimeFigureOut">
               <a:rPr lang="el-GR" smtClean="0"/>
-              <a:t>19/6/2024</a:t>
+              <a:t>22/6/2024</a:t>
             </a:fld>
             <a:endParaRPr lang="el-GR"/>
           </a:p>
@@ -2129,7 +2667,7 @@
           <a:p>
             <a:fld id="{84196782-5064-4F60-81B4-A0AB91B324D3}" type="datetimeFigureOut">
               <a:rPr lang="el-GR" smtClean="0"/>
-              <a:t>19/6/2024</a:t>
+              <a:t>22/6/2024</a:t>
             </a:fld>
             <a:endParaRPr lang="el-GR"/>
           </a:p>
@@ -2339,7 +2877,7 @@
           <a:p>
             <a:fld id="{84196782-5064-4F60-81B4-A0AB91B324D3}" type="datetimeFigureOut">
               <a:rPr lang="el-GR" smtClean="0"/>
-              <a:t>19/6/2024</a:t>
+              <a:t>22/6/2024</a:t>
             </a:fld>
             <a:endParaRPr lang="el-GR"/>
           </a:p>
@@ -2539,7 +3077,7 @@
           <a:p>
             <a:fld id="{84196782-5064-4F60-81B4-A0AB91B324D3}" type="datetimeFigureOut">
               <a:rPr lang="el-GR" smtClean="0"/>
-              <a:t>19/6/2024</a:t>
+              <a:t>22/6/2024</a:t>
             </a:fld>
             <a:endParaRPr lang="el-GR"/>
           </a:p>
@@ -2815,7 +3353,7 @@
           <a:p>
             <a:fld id="{84196782-5064-4F60-81B4-A0AB91B324D3}" type="datetimeFigureOut">
               <a:rPr lang="el-GR" smtClean="0"/>
-              <a:t>19/6/2024</a:t>
+              <a:t>22/6/2024</a:t>
             </a:fld>
             <a:endParaRPr lang="el-GR"/>
           </a:p>
@@ -3083,7 +3621,7 @@
           <a:p>
             <a:fld id="{84196782-5064-4F60-81B4-A0AB91B324D3}" type="datetimeFigureOut">
               <a:rPr lang="el-GR" smtClean="0"/>
-              <a:t>19/6/2024</a:t>
+              <a:t>22/6/2024</a:t>
             </a:fld>
             <a:endParaRPr lang="el-GR"/>
           </a:p>
@@ -3498,7 +4036,7 @@
           <a:p>
             <a:fld id="{84196782-5064-4F60-81B4-A0AB91B324D3}" type="datetimeFigureOut">
               <a:rPr lang="el-GR" smtClean="0"/>
-              <a:t>19/6/2024</a:t>
+              <a:t>22/6/2024</a:t>
             </a:fld>
             <a:endParaRPr lang="el-GR"/>
           </a:p>
@@ -3640,7 +4178,7 @@
           <a:p>
             <a:fld id="{84196782-5064-4F60-81B4-A0AB91B324D3}" type="datetimeFigureOut">
               <a:rPr lang="el-GR" smtClean="0"/>
-              <a:t>19/6/2024</a:t>
+              <a:t>22/6/2024</a:t>
             </a:fld>
             <a:endParaRPr lang="el-GR"/>
           </a:p>
@@ -3753,7 +4291,7 @@
           <a:p>
             <a:fld id="{84196782-5064-4F60-81B4-A0AB91B324D3}" type="datetimeFigureOut">
               <a:rPr lang="el-GR" smtClean="0"/>
-              <a:t>19/6/2024</a:t>
+              <a:t>22/6/2024</a:t>
             </a:fld>
             <a:endParaRPr lang="el-GR"/>
           </a:p>
@@ -4066,7 +4604,7 @@
           <a:p>
             <a:fld id="{84196782-5064-4F60-81B4-A0AB91B324D3}" type="datetimeFigureOut">
               <a:rPr lang="el-GR" smtClean="0"/>
-              <a:t>19/6/2024</a:t>
+              <a:t>22/6/2024</a:t>
             </a:fld>
             <a:endParaRPr lang="el-GR"/>
           </a:p>
@@ -4355,7 +4893,7 @@
           <a:p>
             <a:fld id="{84196782-5064-4F60-81B4-A0AB91B324D3}" type="datetimeFigureOut">
               <a:rPr lang="el-GR" smtClean="0"/>
-              <a:t>19/6/2024</a:t>
+              <a:t>22/6/2024</a:t>
             </a:fld>
             <a:endParaRPr lang="el-GR"/>
           </a:p>
@@ -4598,7 +5136,7 @@
           <a:p>
             <a:fld id="{84196782-5064-4F60-81B4-A0AB91B324D3}" type="datetimeFigureOut">
               <a:rPr lang="el-GR" smtClean="0"/>
-              <a:t>19/6/2024</a:t>
+              <a:t>22/6/2024</a:t>
             </a:fld>
             <a:endParaRPr lang="el-GR"/>
           </a:p>
@@ -5327,36 +5865,6 @@
           </a:p>
         </p:txBody>
       </p:sp>
-      <p:pic>
-        <p:nvPicPr>
-          <p:cNvPr id="5" name="Picture 4">
-            <a:extLst>
-              <a:ext uri="{FF2B5EF4-FFF2-40B4-BE49-F238E27FC236}">
-                <a16:creationId xmlns:a16="http://schemas.microsoft.com/office/drawing/2014/main" id="{1042A51C-AA28-9223-44F8-C9C17240ED53}"/>
-              </a:ext>
-            </a:extLst>
-          </p:cNvPr>
-          <p:cNvPicPr>
-            <a:picLocks noChangeAspect="1"/>
-          </p:cNvPicPr>
-          <p:nvPr/>
-        </p:nvPicPr>
-        <p:blipFill>
-          <a:blip r:embed="rId3"/>
-          <a:stretch>
-            <a:fillRect/>
-          </a:stretch>
-        </p:blipFill>
-        <p:spPr>
-          <a:xfrm>
-            <a:off x="6478454" y="2328317"/>
-            <a:ext cx="5713546" cy="2201366"/>
-          </a:xfrm>
-          <a:prstGeom prst="rect">
-            <a:avLst/>
-          </a:prstGeom>
-        </p:spPr>
-      </p:pic>
       <p:sp>
         <p:nvSpPr>
           <p:cNvPr id="3" name="Content Placeholder 2">
@@ -5376,12 +5884,12 @@
         <p:spPr>
           <a:xfrm>
             <a:off x="838201" y="1825625"/>
-            <a:ext cx="5819454" cy="4351338"/>
+            <a:ext cx="10604156" cy="4351338"/>
           </a:xfrm>
         </p:spPr>
         <p:txBody>
           <a:bodyPr>
-            <a:normAutofit fontScale="92500" lnSpcReduction="10000"/>
+            <a:normAutofit/>
           </a:bodyPr>
           <a:lstStyle/>
           <a:p>
@@ -5530,6 +6038,36 @@
           </a:p>
         </p:txBody>
       </p:sp>
+      <p:pic>
+        <p:nvPicPr>
+          <p:cNvPr id="5" name="Picture 4">
+            <a:extLst>
+              <a:ext uri="{FF2B5EF4-FFF2-40B4-BE49-F238E27FC236}">
+                <a16:creationId xmlns:a16="http://schemas.microsoft.com/office/drawing/2014/main" id="{1042A51C-AA28-9223-44F8-C9C17240ED53}"/>
+              </a:ext>
+            </a:extLst>
+          </p:cNvPr>
+          <p:cNvPicPr>
+            <a:picLocks noChangeAspect="1"/>
+          </p:cNvPicPr>
+          <p:nvPr/>
+        </p:nvPicPr>
+        <p:blipFill>
+          <a:blip r:embed="rId3"/>
+          <a:stretch>
+            <a:fillRect/>
+          </a:stretch>
+        </p:blipFill>
+        <p:spPr>
+          <a:xfrm>
+            <a:off x="6478454" y="2600165"/>
+            <a:ext cx="5713546" cy="2201366"/>
+          </a:xfrm>
+          <a:prstGeom prst="rect">
+            <a:avLst/>
+          </a:prstGeom>
+        </p:spPr>
+      </p:pic>
       <p:sp>
         <p:nvSpPr>
           <p:cNvPr id="3" name="Content Placeholder 2">
@@ -5546,10 +6084,15 @@
             <p:ph idx="1"/>
           </p:nvPr>
         </p:nvSpPr>
-        <p:spPr/>
+        <p:spPr>
+          <a:xfrm>
+            <a:off x="838200" y="1825625"/>
+            <a:ext cx="5834449" cy="4351338"/>
+          </a:xfrm>
+        </p:spPr>
         <p:txBody>
           <a:bodyPr>
-            <a:normAutofit/>
+            <a:normAutofit fontScale="92500"/>
           </a:bodyPr>
           <a:lstStyle/>
           <a:p>
@@ -7498,7 +8041,7 @@
           <p:nvPr/>
         </p:nvPicPr>
         <p:blipFill>
-          <a:blip r:embed="rId2"/>
+          <a:blip r:embed="rId3"/>
           <a:stretch>
             <a:fillRect/>
           </a:stretch>
@@ -7607,9 +8150,6 @@
               <a:rPr lang="en-US" dirty="0"/>
               <a:t>1,034 questions.</a:t>
             </a:r>
-          </a:p>
-          <a:p>
-            <a:endParaRPr lang="el-GR" dirty="0"/>
           </a:p>
         </p:txBody>
       </p:sp>

--- a/Presentation/GreekSpider_Presentation.pptx
+++ b/Presentation/GreekSpider_Presentation.pptx
@@ -217,7 +217,7 @@
           <a:p>
             <a:fld id="{8A84F52A-5AE2-4062-AF77-CB63F6320DA2}" type="datetimeFigureOut">
               <a:rPr lang="en-US" smtClean="0"/>
-              <a:t>6/22/2024</a:t>
+              <a:t>6/24/2024</a:t>
             </a:fld>
             <a:endParaRPr lang="en-US"/>
           </a:p>
@@ -529,7 +529,18 @@
           <a:bodyPr/>
           <a:lstStyle/>
           <a:p>
-            <a:endParaRPr lang="en-US" dirty="0"/>
+            <a:r>
+              <a:rPr lang="en-US" dirty="0"/>
+              <a:t>Welcome, we would like to present our work, Gr-Spider. Gr-Spider is </a:t>
+            </a:r>
+            <a:r>
+              <a:rPr lang="en-US" dirty="0" err="1"/>
+              <a:t>theGreek</a:t>
+            </a:r>
+            <a:r>
+              <a:rPr lang="en-US" dirty="0"/>
+              <a:t> version of the Spider Dataset, commonly to benchmark Text-to-SQL solutions. </a:t>
+            </a:r>
           </a:p>
         </p:txBody>
       </p:sp>
@@ -613,20 +624,23 @@
           <a:bodyPr/>
           <a:lstStyle/>
           <a:p>
-            <a:r>
-              <a:rPr lang="en-US" dirty="0"/>
-              <a:t>We translate table names and column names, crucial for schema linking, while leaving other fields unchanged to preserve their original values. This ensures SQL queries reference the correct tables and columns. The translated schema is referred to as gr-schema, while the original remains labeled simply as schema.</a:t>
-            </a:r>
-          </a:p>
-          <a:p>
-            <a:endParaRPr lang="en-US" dirty="0"/>
-          </a:p>
-          <a:p>
-            <a:r>
-              <a:rPr lang="en-US" dirty="0"/>
-              <a:t>It's crucial to note that both the training and inference datasets utilize identical databases, significantly enhancing inference scores compared to scenarios where a database not used during training is employed</a:t>
-            </a:r>
-            <a:endParaRPr lang="el-GR" dirty="0"/>
+            <a:pPr algn="l"/>
+            <a:r>
+              <a:rPr lang="en-US" sz="4000" dirty="0"/>
+              <a:t>For the experiment, we explored two powerful Text-to-SQL models. RAT-SQL was utilized for a </a:t>
+            </a:r>
+            <a:r>
+              <a:rPr lang="en-US" sz="5400" dirty="0"/>
+              <a:t>traditional </a:t>
+            </a:r>
+            <a:r>
+              <a:rPr lang="en-US" sz="4000" dirty="0"/>
+              <a:t>machine learning approach to the Text-to-SQL problem, while DAIL-SQL was chosen to assess its effectiveness, employing advanced prompt engineering to leverage large language models (LLMs).</a:t>
+            </a:r>
+            <a:r>
+              <a:rPr lang="en-US" sz="5400" dirty="0"/>
+              <a:t> Additionally, since existing work uses the full version of the Spider Dataset while we use the Mini-Spider, we required a new baseline for each model to ensure meaningful evaluations. Therefore, we utilized the Mini-Spider dataset for training, evaluation and metric calculation, establishing the main reference for later analysis.</a:t>
+            </a:r>
           </a:p>
         </p:txBody>
       </p:sp>
@@ -647,7 +661,7 @@
           <a:p>
             <a:fld id="{5C8EBDBD-B5B6-4C5C-8990-1648C105756E}" type="slidenum">
               <a:rPr lang="en-US" smtClean="0"/>
-              <a:t>12</a:t>
+              <a:t>10</a:t>
             </a:fld>
             <a:endParaRPr lang="en-US"/>
           </a:p>
@@ -656,7 +670,7 @@
     </p:spTree>
     <p:extLst>
       <p:ext uri="{BB962C8B-B14F-4D97-AF65-F5344CB8AC3E}">
-        <p14:creationId xmlns:p14="http://schemas.microsoft.com/office/powerpoint/2010/main" val="2829386577"/>
+        <p14:creationId xmlns:p14="http://schemas.microsoft.com/office/powerpoint/2010/main" val="2650647421"/>
       </p:ext>
     </p:extLst>
   </p:cSld>
@@ -710,21 +724,71 @@
           <a:bodyPr/>
           <a:lstStyle/>
           <a:p>
-            <a:r>
-              <a:rPr lang="en-US" dirty="0"/>
-              <a:t>BULLET 2: This is because both datasets utilize the same databases. Despite column/table matching not being effective with the original schema, RAT-SQL consistently encodes information from the entire database alongside each question. Given the manageable complexity of connections in the Spider dataset, the model reliably identifies links from available information. Consequently, during training, the model familiarizes itself with databases and successfully predicts questions in the dev set.</a:t>
-            </a:r>
-          </a:p>
-          <a:p>
-            <a:endParaRPr lang="en-US" dirty="0"/>
-          </a:p>
-          <a:p>
-            <a:r>
-              <a:rPr lang="en-US" dirty="0"/>
-              <a:t>BULLET 3: uses different databases unfamiliar to the model. In this scenario, the model will heavily rely on mapping between questions and tables/columns to achieve accurate results.</a:t>
-            </a:r>
-          </a:p>
-          <a:p>
+            <a:pPr algn="l"/>
+            <a:r>
+              <a:rPr lang="en-US" sz="1800" b="0" i="0" u="none" strike="noStrike" baseline="0" dirty="0">
+                <a:latin typeface="CMR10"/>
+              </a:rPr>
+              <a:t>RAT-SQL is a </a:t>
+            </a:r>
+            <a:r>
+              <a:rPr lang="en-US" sz="2800" dirty="0"/>
+              <a:t>traditional</a:t>
+            </a:r>
+            <a:r>
+              <a:rPr lang="en-US" sz="1800" dirty="0"/>
+              <a:t> Text-to-SQL model, which requires train and inference. The model </a:t>
+            </a:r>
+            <a:r>
+              <a:rPr lang="en-US" sz="1800" b="0" i="0" u="none" strike="noStrike" baseline="0" dirty="0">
+                <a:latin typeface="CMR10"/>
+              </a:rPr>
+              <a:t>manages to encode the database relations in an accessible way and to map columns and their mentions for a particular question. During the pre-processing phase, schema linking takes place. This is achieved by lemmatizing the questions, as well as the tables and the columns of the database, using the </a:t>
+            </a:r>
+            <a:r>
+              <a:rPr lang="en-US" sz="4000" dirty="0" err="1"/>
+              <a:t>simplemma</a:t>
+            </a:r>
+            <a:r>
+              <a:rPr lang="en-US" sz="1800" b="0" i="0" u="none" strike="noStrike" baseline="0" dirty="0">
+                <a:latin typeface="CMR10"/>
+              </a:rPr>
+              <a:t> library. Then the columns and tables are mapped to the questions, where possible. The </a:t>
+            </a:r>
+            <a:r>
+              <a:rPr lang="en-US" sz="1800" b="0" i="0" u="none" strike="noStrike" baseline="0" dirty="0" err="1">
+                <a:latin typeface="CMR10"/>
+              </a:rPr>
+              <a:t>mRAT</a:t>
+            </a:r>
+            <a:r>
+              <a:rPr lang="en-US" sz="1800" b="0" i="0" u="none" strike="noStrike" baseline="0" dirty="0">
+                <a:latin typeface="CMR10"/>
+              </a:rPr>
+              <a:t>-SQL model, incorporates multi-language models like mT5 and </a:t>
+            </a:r>
+            <a:r>
+              <a:rPr lang="en-US" sz="1800" b="0" i="0" u="none" strike="noStrike" baseline="0" dirty="0" err="1">
+                <a:latin typeface="CMR10"/>
+              </a:rPr>
+              <a:t>mBart</a:t>
+            </a:r>
+            <a:r>
+              <a:rPr lang="en-US" sz="1800" b="0" i="0" u="none" strike="noStrike" baseline="0" dirty="0">
+                <a:latin typeface="CMR10"/>
+              </a:rPr>
+              <a:t>, facilitating the training and inference processes across different languages. Regarding our extensions,. Through experimenting we found out that </a:t>
+            </a:r>
+            <a:r>
+              <a:rPr lang="en-US" sz="4000" dirty="0" err="1"/>
+              <a:t>simplemma</a:t>
+            </a:r>
+            <a:r>
+              <a:rPr lang="en-US" sz="1800" b="0" i="0" u="none" strike="noStrike" baseline="0" dirty="0">
+                <a:latin typeface="CMR10"/>
+              </a:rPr>
+              <a:t> lemmatizer performed worse at the schema linking process for the Greek dataset, when compared with the Stanza lemmatizer. As such, we added the support for the Stanza library.</a:t>
+            </a:r>
             <a:endParaRPr lang="el-GR" dirty="0"/>
           </a:p>
         </p:txBody>
@@ -746,7 +810,7 @@
           <a:p>
             <a:fld id="{5C8EBDBD-B5B6-4C5C-8990-1648C105756E}" type="slidenum">
               <a:rPr lang="en-US" smtClean="0"/>
-              <a:t>13</a:t>
+              <a:t>11</a:t>
             </a:fld>
             <a:endParaRPr lang="en-US"/>
           </a:p>
@@ -755,7 +819,7 @@
     </p:spTree>
     <p:extLst>
       <p:ext uri="{BB962C8B-B14F-4D97-AF65-F5344CB8AC3E}">
-        <p14:creationId xmlns:p14="http://schemas.microsoft.com/office/powerpoint/2010/main" val="2996427109"/>
+        <p14:creationId xmlns:p14="http://schemas.microsoft.com/office/powerpoint/2010/main" val="146330010"/>
       </p:ext>
     </p:extLst>
   </p:cSld>
@@ -810,13 +874,10 @@
           <a:lstStyle/>
           <a:p>
             <a:r>
-              <a:rPr lang="el-GR" dirty="0"/>
-              <a:t>5628.85%</a:t>
-            </a:r>
-            <a:r>
-              <a:rPr lang="en-US" dirty="0"/>
-              <a:t> More English data than Greek in mt5 training</a:t>
-            </a:r>
+              <a:rPr lang="en-US" dirty="0"/>
+              <a:t>Existing experiments using RAT-SQL for non English languages utilize the original English schema. As a result, the schema linking process explained before, largely fails.</a:t>
+            </a:r>
+            <a:endParaRPr lang="el-GR" dirty="0"/>
           </a:p>
           <a:p>
             <a:endParaRPr lang="en-US" dirty="0"/>
@@ -824,7 +885,35 @@
           <a:p>
             <a:r>
               <a:rPr lang="en-US" dirty="0"/>
-              <a:t>Models trained with machine-translated data also exhibited inferior performance compared to their counterparts. Despite providing additional context to the LLM for more accurate translation, it failed to produce results comparable to those from human-curated datasets.</a:t>
+              <a:t>Table 5 shows exactly this case for the Gr-Spider:</a:t>
+            </a:r>
+          </a:p>
+          <a:p>
+            <a:r>
+              <a:rPr lang="en-US" dirty="0"/>
+              <a:t>1 Using the original schema with either </a:t>
+            </a:r>
+            <a:r>
+              <a:rPr lang="en-US" dirty="0" err="1"/>
+              <a:t>simplemma</a:t>
+            </a:r>
+            <a:r>
+              <a:rPr lang="en-US" dirty="0"/>
+              <a:t> or stanza results in a total lack of schema linking.</a:t>
+            </a:r>
+          </a:p>
+          <a:p>
+            <a:r>
+              <a:rPr lang="en-US" dirty="0"/>
+              <a:t>2 When using the translated </a:t>
+            </a:r>
+            <a:r>
+              <a:rPr lang="en-US" dirty="0" err="1"/>
+              <a:t>gr_schema</a:t>
+            </a:r>
+            <a:r>
+              <a:rPr lang="en-US" dirty="0"/>
+              <a:t>, we can see that stanza achieves a greater percentage, especially in table match.</a:t>
             </a:r>
           </a:p>
           <a:p>
@@ -833,7 +922,55 @@
           <a:p>
             <a:r>
               <a:rPr lang="en-US" dirty="0"/>
-              <a:t>The decline in performance can largely be attributed to the polysemy (multiple meanings) of the Greek language and the inability of Language Learning Models to fully grasp the context of questions. Despite access to database information, achieving an ideal translation that aligns perfectly with specified database tables and columns remains unsatisfactory</a:t>
+              <a:t>For our experiments we chose to also train models with the translated, </a:t>
+            </a:r>
+            <a:r>
+              <a:rPr lang="en-US" dirty="0" err="1"/>
+              <a:t>gr_schema</a:t>
+            </a:r>
+            <a:r>
+              <a:rPr lang="en-US" dirty="0"/>
+              <a:t>, to observe the effect of proper schema linking.</a:t>
+            </a:r>
+          </a:p>
+          <a:p>
+            <a:r>
+              <a:rPr lang="en-US" dirty="0"/>
+              <a:t>For the next slides we will </a:t>
+            </a:r>
+            <a:r>
+              <a:rPr lang="en-US" dirty="0" err="1"/>
+              <a:t>refere</a:t>
+            </a:r>
+            <a:r>
+              <a:rPr lang="en-US" dirty="0"/>
+              <a:t> to the translated schema as gr-schema, while the original remains labeled simply as schema.</a:t>
+            </a:r>
+          </a:p>
+          <a:p>
+            <a:endParaRPr lang="en-US" dirty="0"/>
+          </a:p>
+          <a:p>
+            <a:r>
+              <a:rPr lang="en-US" dirty="0"/>
+              <a:t>The training process for all models was conducted using mT5-base, due to hardware constraints.</a:t>
+            </a:r>
+          </a:p>
+          <a:p>
+            <a:endParaRPr lang="en-US" dirty="0"/>
+          </a:p>
+          <a:p>
+            <a:r>
+              <a:rPr lang="en-US" dirty="0"/>
+              <a:t>It's </a:t>
+            </a:r>
+            <a:r>
+              <a:rPr lang="en-US" b="1" dirty="0"/>
+              <a:t>crucial</a:t>
+            </a:r>
+            <a:r>
+              <a:rPr lang="en-US" dirty="0"/>
+              <a:t> to note that both the training and inference datasets utilize identical databases, significantly enhancing inference scores compared to scenarios where a database not used during training is employed</a:t>
             </a:r>
             <a:endParaRPr lang="el-GR" dirty="0"/>
           </a:p>
@@ -856,7 +993,7 @@
           <a:p>
             <a:fld id="{5C8EBDBD-B5B6-4C5C-8990-1648C105756E}" type="slidenum">
               <a:rPr lang="en-US" smtClean="0"/>
-              <a:t>14</a:t>
+              <a:t>12</a:t>
             </a:fld>
             <a:endParaRPr lang="en-US"/>
           </a:p>
@@ -865,7 +1002,7 @@
     </p:spTree>
     <p:extLst>
       <p:ext uri="{BB962C8B-B14F-4D97-AF65-F5344CB8AC3E}">
-        <p14:creationId xmlns:p14="http://schemas.microsoft.com/office/powerpoint/2010/main" val="2297586886"/>
+        <p14:creationId xmlns:p14="http://schemas.microsoft.com/office/powerpoint/2010/main" val="2829386577"/>
       </p:ext>
     </p:extLst>
   </p:cSld>
@@ -921,13 +1058,103 @@
           <a:p>
             <a:r>
               <a:rPr lang="en-US" dirty="0"/>
-              <a:t>STUDY: QA EXAMPLES</a:t>
-            </a:r>
-          </a:p>
-          <a:p>
-            <a:r>
-              <a:rPr lang="en-US" dirty="0"/>
-              <a:t>ES EXAMPLES</a:t>
+              <a:t>Let’s take a look at the results:</a:t>
+            </a:r>
+          </a:p>
+          <a:p>
+            <a:endParaRPr lang="en-US" dirty="0"/>
+          </a:p>
+          <a:p>
+            <a:r>
+              <a:rPr lang="en-US" dirty="0"/>
+              <a:t>The baseline model was trained on </a:t>
+            </a:r>
+            <a:r>
+              <a:rPr lang="en-US" dirty="0" err="1"/>
+              <a:t>Mni</a:t>
+            </a:r>
+            <a:r>
+              <a:rPr lang="en-US" dirty="0"/>
+              <a:t>-Spider, using the schema. It achieved a total inference score of 0.73 (Again, a reminder, these scores are on the Mini-Spider Dev)</a:t>
+            </a:r>
+          </a:p>
+          <a:p>
+            <a:endParaRPr lang="en-US" dirty="0"/>
+          </a:p>
+          <a:p>
+            <a:r>
+              <a:rPr lang="en-US" dirty="0"/>
+              <a:t>For the Greek models, we opted for different combinations of (1) lemmatizer, (2) schema</a:t>
+            </a:r>
+          </a:p>
+          <a:p>
+            <a:endParaRPr lang="en-US" dirty="0"/>
+          </a:p>
+          <a:p>
+            <a:r>
+              <a:rPr lang="en-US" dirty="0"/>
+              <a:t>The best Greek model proved out to be the one using Simplemma lemmatizer and the original English schema.</a:t>
+            </a:r>
+          </a:p>
+          <a:p>
+            <a:r>
+              <a:rPr lang="en-US" dirty="0"/>
+              <a:t>In the Stanza case, the model using the curated </a:t>
+            </a:r>
+            <a:r>
+              <a:rPr lang="en-US" dirty="0" err="1"/>
+              <a:t>gr_schema</a:t>
+            </a:r>
+            <a:r>
+              <a:rPr lang="en-US" dirty="0"/>
+              <a:t> proved to be marginally better than it’s counterpart but still worse the </a:t>
+            </a:r>
+            <a:r>
+              <a:rPr lang="en-US" dirty="0" err="1"/>
+              <a:t>simplemma</a:t>
+            </a:r>
+            <a:r>
+              <a:rPr lang="en-US" dirty="0"/>
+              <a:t> one.</a:t>
+            </a:r>
+          </a:p>
+          <a:p>
+            <a:endParaRPr lang="en-US" dirty="0"/>
+          </a:p>
+          <a:p>
+            <a:r>
+              <a:rPr lang="en-US" dirty="0"/>
+              <a:t>In total we can see that</a:t>
+            </a:r>
+          </a:p>
+          <a:p>
+            <a:endParaRPr lang="en-US" dirty="0"/>
+          </a:p>
+          <a:p>
+            <a:r>
+              <a:rPr lang="en-US" dirty="0"/>
+              <a:t>1) Models trained on Mini Gr Spider performed worse than their English counterpart. </a:t>
+            </a:r>
+          </a:p>
+          <a:p>
+            <a:r>
+              <a:rPr lang="en-US" dirty="0"/>
+              <a:t>2) Schema Linking had a  minimal impact on the model’s accuracy.</a:t>
+            </a:r>
+          </a:p>
+          <a:p>
+            <a:r>
+              <a:rPr lang="en-US" dirty="0"/>
+              <a:t>This is because both datasets utilize the same databases. Despite column/table matching not being effective with the original schema, RAT-SQL consistently encodes information from the entire database alongside each question. Given the manageable complexity of connections in the Spider dataset, the model reliably identifies links from available information. </a:t>
+            </a:r>
+          </a:p>
+          <a:p>
+            <a:endParaRPr lang="en-US" dirty="0"/>
+          </a:p>
+          <a:p>
+            <a:r>
+              <a:rPr lang="en-US" dirty="0"/>
+              <a:t>We anticipate that the true effect of schema linking will become apparent when inferencing with the proper test set, which uses different database, In this scenario, the model will heavily rely on mapping between questions and tables/columns to achieve accurate results.</a:t>
             </a:r>
           </a:p>
           <a:p>
@@ -952,7 +1179,7 @@
           <a:p>
             <a:fld id="{5C8EBDBD-B5B6-4C5C-8990-1648C105756E}" type="slidenum">
               <a:rPr lang="en-US" smtClean="0"/>
-              <a:t>15</a:t>
+              <a:t>13</a:t>
             </a:fld>
             <a:endParaRPr lang="en-US"/>
           </a:p>
@@ -961,7 +1188,7 @@
     </p:spTree>
     <p:extLst>
       <p:ext uri="{BB962C8B-B14F-4D97-AF65-F5344CB8AC3E}">
-        <p14:creationId xmlns:p14="http://schemas.microsoft.com/office/powerpoint/2010/main" val="1199792721"/>
+        <p14:creationId xmlns:p14="http://schemas.microsoft.com/office/powerpoint/2010/main" val="2996427109"/>
       </p:ext>
     </p:extLst>
   </p:cSld>
@@ -1015,6 +1242,156 @@
           <a:bodyPr/>
           <a:lstStyle/>
           <a:p>
+            <a:r>
+              <a:rPr lang="en-US" dirty="0"/>
+              <a:t>The main questions that rises in these types of papers are </a:t>
+            </a:r>
+          </a:p>
+          <a:p>
+            <a:r>
+              <a:rPr lang="en-US" dirty="0"/>
+              <a:t>“Why is manual translation necessary, can’t LLMs provide adequate translations, given the appropriate prompt”?</a:t>
+            </a:r>
+          </a:p>
+          <a:p>
+            <a:r>
+              <a:rPr lang="en-US" dirty="0"/>
+              <a:t>And </a:t>
+            </a:r>
+          </a:p>
+          <a:p>
+            <a:r>
+              <a:rPr lang="en-US" dirty="0"/>
+              <a:t>“Since the models used are multilingual can’t we train a model in one language and inference it in any supported one?”</a:t>
+            </a:r>
+          </a:p>
+          <a:p>
+            <a:r>
+              <a:rPr lang="en-US" dirty="0"/>
+              <a:t>To answer these questions, we performed a few “No-Shot” Experiments, using the Baseline English model and the Optimal Greek model.</a:t>
+            </a:r>
+          </a:p>
+          <a:p>
+            <a:endParaRPr lang="en-US" dirty="0"/>
+          </a:p>
+          <a:p>
+            <a:r>
+              <a:rPr lang="en-US" dirty="0"/>
+              <a:t>We inference these models with </a:t>
+            </a:r>
+          </a:p>
+          <a:p>
+            <a:pPr marL="228600" indent="-228600">
+              <a:buAutoNum type="arabicParenR"/>
+            </a:pPr>
+            <a:r>
+              <a:rPr lang="en-US" dirty="0"/>
+              <a:t>Machine Translated datasets</a:t>
+            </a:r>
+          </a:p>
+          <a:p>
+            <a:pPr marL="228600" indent="-228600">
+              <a:buAutoNum type="arabicParenR"/>
+            </a:pPr>
+            <a:r>
+              <a:rPr lang="en-US" dirty="0"/>
+              <a:t>Datasets in a language different from the one used during training.</a:t>
+            </a:r>
+          </a:p>
+          <a:p>
+            <a:endParaRPr lang="en-US" dirty="0"/>
+          </a:p>
+          <a:p>
+            <a:r>
+              <a:rPr lang="en-US" dirty="0"/>
+              <a:t>By observing Table 8 it becomes apparent that:</a:t>
+            </a:r>
+          </a:p>
+          <a:p>
+            <a:r>
+              <a:rPr lang="en-US" dirty="0"/>
+              <a:t>“Directly Predict scenario”</a:t>
+            </a:r>
+          </a:p>
+          <a:p>
+            <a:pPr marL="228600" indent="-228600">
+              <a:buAutoNum type="arabicParenR"/>
+            </a:pPr>
+            <a:r>
+              <a:rPr lang="en-US" dirty="0"/>
+              <a:t>Inferencing the baseline in the target language resulted in poor performance</a:t>
+            </a:r>
+          </a:p>
+          <a:p>
+            <a:pPr marL="228600" indent="-228600">
+              <a:buAutoNum type="arabicParenR"/>
+            </a:pPr>
+            <a:r>
+              <a:rPr lang="en-US" dirty="0"/>
+              <a:t>Inferencing the Optimal Greek also resulted in lower performance</a:t>
+            </a:r>
+          </a:p>
+          <a:p>
+            <a:pPr marL="0" indent="0">
+              <a:buNone/>
+            </a:pPr>
+            <a:endParaRPr lang="en-US" dirty="0"/>
+          </a:p>
+          <a:p>
+            <a:pPr marL="0" marR="0" lvl="0" indent="0" algn="l" defTabSz="914400" rtl="0" eaLnBrk="1" fontAlgn="auto" latinLnBrk="0" hangingPunct="1">
+              <a:lnSpc>
+                <a:spcPct val="100000"/>
+              </a:lnSpc>
+              <a:spcBef>
+                <a:spcPts val="0"/>
+              </a:spcBef>
+              <a:spcAft>
+                <a:spcPts val="0"/>
+              </a:spcAft>
+              <a:buClrTx/>
+              <a:buSzTx/>
+              <a:buFontTx/>
+              <a:buNone/>
+              <a:tabLst/>
+              <a:defRPr/>
+            </a:pPr>
+            <a:r>
+              <a:rPr lang="en-US" dirty="0"/>
+              <a:t>This large gap between the two can be explained by the fact that the Greek data used to train mT5-base were 5 thousand percent less than the English ones.</a:t>
+            </a:r>
+          </a:p>
+          <a:p>
+            <a:pPr marL="0" indent="0">
+              <a:buNone/>
+            </a:pPr>
+            <a:endParaRPr lang="en-US" dirty="0"/>
+          </a:p>
+          <a:p>
+            <a:r>
+              <a:rPr lang="en-US" dirty="0"/>
+              <a:t>“Translate then Predict Scenario”</a:t>
+            </a:r>
+          </a:p>
+          <a:p>
+            <a:r>
+              <a:rPr lang="en-US" dirty="0"/>
+              <a:t>The models exhibited inferior performance compared to their counterparts. </a:t>
+            </a:r>
+          </a:p>
+          <a:p>
+            <a:r>
+              <a:rPr lang="en-US" dirty="0"/>
+              <a:t>Despite providing additional context to the LLM for more accurate translation, it failed to produce results comparable to those from human-curated datasets.</a:t>
+            </a:r>
+          </a:p>
+          <a:p>
+            <a:endParaRPr lang="en-US" dirty="0"/>
+          </a:p>
+          <a:p>
+            <a:r>
+              <a:rPr lang="en-US" dirty="0"/>
+              <a:t>The decline in performance can largely be attributed to the polysemy (multiple meanings) of the Greek language and the inability of Language Learning Models to fully grasp the context of questions. Despite access to database information, achieving an ideal translation that aligns perfectly with specified database tables and columns remains unsatisfactory</a:t>
+            </a:r>
             <a:endParaRPr lang="el-GR" dirty="0"/>
           </a:p>
         </p:txBody>
@@ -1036,7 +1413,7 @@
           <a:p>
             <a:fld id="{5C8EBDBD-B5B6-4C5C-8990-1648C105756E}" type="slidenum">
               <a:rPr lang="en-US" smtClean="0"/>
-              <a:t>16</a:t>
+              <a:t>14</a:t>
             </a:fld>
             <a:endParaRPr lang="en-US"/>
           </a:p>
@@ -1045,7 +1422,7 @@
     </p:spTree>
     <p:extLst>
       <p:ext uri="{BB962C8B-B14F-4D97-AF65-F5344CB8AC3E}">
-        <p14:creationId xmlns:p14="http://schemas.microsoft.com/office/powerpoint/2010/main" val="3677250174"/>
+        <p14:creationId xmlns:p14="http://schemas.microsoft.com/office/powerpoint/2010/main" val="2297586886"/>
       </p:ext>
     </p:extLst>
   </p:cSld>
@@ -1101,6 +1478,509 @@
           <a:p>
             <a:r>
               <a:rPr lang="en-US" dirty="0"/>
+              <a:t>The second set of conducted experiments if performed by DAIL-SQL</a:t>
+            </a:r>
+          </a:p>
+          <a:p>
+            <a:endParaRPr lang="en-US" dirty="0"/>
+          </a:p>
+          <a:p>
+            <a:r>
+              <a:rPr lang="en-US" dirty="0"/>
+              <a:t>The main component of DAIL-SQL is a black box LLM such as GPT4.</a:t>
+            </a:r>
+          </a:p>
+          <a:p>
+            <a:r>
+              <a:rPr lang="en-US" dirty="0"/>
+              <a:t>As such this solution focuses on how to properly construct a prompt with all the required information, in order for the LLM to give the proper SQL queries.</a:t>
+            </a:r>
+          </a:p>
+          <a:p>
+            <a:endParaRPr lang="en-US" dirty="0"/>
+          </a:p>
+          <a:p>
+            <a:r>
+              <a:rPr lang="en-US" dirty="0"/>
+              <a:t>The first aspect is Question Representation:</a:t>
+            </a:r>
+            <a:br>
+              <a:rPr lang="en-US" dirty="0"/>
+            </a:br>
+            <a:r>
+              <a:rPr lang="en-US" dirty="0"/>
+              <a:t>How can we represent the question along with the database information</a:t>
+            </a:r>
+          </a:p>
+          <a:p>
+            <a:endParaRPr lang="en-US" dirty="0"/>
+          </a:p>
+          <a:p>
+            <a:r>
+              <a:rPr lang="en-US" dirty="0"/>
+              <a:t>The second aspect is Example Selection:</a:t>
+            </a:r>
+            <a:br>
+              <a:rPr lang="en-US" dirty="0"/>
+            </a:br>
+            <a:r>
+              <a:rPr lang="en-US" dirty="0"/>
+              <a:t>How can we find the most similar queries from the train set, in order to add them as examples in the prompt.</a:t>
+            </a:r>
+          </a:p>
+          <a:p>
+            <a:endParaRPr lang="en-US" dirty="0"/>
+          </a:p>
+          <a:p>
+            <a:r>
+              <a:rPr lang="en-US" dirty="0"/>
+              <a:t>Again, DAIL-SQL initially performs schema linking, as described before.</a:t>
+            </a:r>
+          </a:p>
+          <a:p>
+            <a:endParaRPr lang="en-US" dirty="0"/>
+          </a:p>
+          <a:p>
+            <a:r>
+              <a:rPr lang="en-US" dirty="0"/>
+              <a:t>Finally our extensions of the existing code base were:</a:t>
+            </a:r>
+          </a:p>
+          <a:p>
+            <a:pPr marL="228600" indent="-228600">
+              <a:buAutoNum type="arabicParenR"/>
+            </a:pPr>
+            <a:r>
+              <a:rPr lang="en-US" dirty="0"/>
+              <a:t>Replace the Stanford Core NLP lemmatizer with Stanza (which supports Greek text)</a:t>
+            </a:r>
+          </a:p>
+          <a:p>
+            <a:pPr marL="228600" indent="-228600">
+              <a:buAutoNum type="arabicParenR"/>
+            </a:pPr>
+            <a:r>
+              <a:rPr lang="en-US" dirty="0"/>
+              <a:t>Replace the existing </a:t>
+            </a:r>
+            <a:r>
+              <a:rPr lang="en-US" dirty="0" err="1"/>
+              <a:t>setnece</a:t>
+            </a:r>
+            <a:r>
+              <a:rPr lang="en-US" dirty="0"/>
+              <a:t> transformer used the example similarity search with a multilingual one.</a:t>
+            </a:r>
+          </a:p>
+        </p:txBody>
+      </p:sp>
+      <p:sp>
+        <p:nvSpPr>
+          <p:cNvPr id="4" name="Slide Number Placeholder 3"/>
+          <p:cNvSpPr>
+            <a:spLocks noGrp="1"/>
+          </p:cNvSpPr>
+          <p:nvPr>
+            <p:ph type="sldNum" sz="quarter" idx="5"/>
+          </p:nvPr>
+        </p:nvSpPr>
+        <p:spPr/>
+        <p:txBody>
+          <a:bodyPr/>
+          <a:lstStyle/>
+          <a:p>
+            <a:fld id="{5C8EBDBD-B5B6-4C5C-8990-1648C105756E}" type="slidenum">
+              <a:rPr lang="en-US" smtClean="0"/>
+              <a:t>15</a:t>
+            </a:fld>
+            <a:endParaRPr lang="en-US"/>
+          </a:p>
+        </p:txBody>
+      </p:sp>
+    </p:spTree>
+    <p:extLst>
+      <p:ext uri="{BB962C8B-B14F-4D97-AF65-F5344CB8AC3E}">
+        <p14:creationId xmlns:p14="http://schemas.microsoft.com/office/powerpoint/2010/main" val="1199792721"/>
+      </p:ext>
+    </p:extLst>
+  </p:cSld>
+  <p:clrMapOvr>
+    <a:masterClrMapping/>
+  </p:clrMapOvr>
+</p:notes>
+</file>
+
+<file path=ppt/notesSlides/notesSlide16.xml><?xml version="1.0" encoding="utf-8"?>
+<p:notes xmlns:a="http://schemas.openxmlformats.org/drawingml/2006/main" xmlns:r="http://schemas.openxmlformats.org/officeDocument/2006/relationships" xmlns:p="http://schemas.openxmlformats.org/presentationml/2006/main">
+  <p:cSld>
+    <p:spTree>
+      <p:nvGrpSpPr>
+        <p:cNvPr id="1" name=""/>
+        <p:cNvGrpSpPr/>
+        <p:nvPr/>
+      </p:nvGrpSpPr>
+      <p:grpSpPr>
+        <a:xfrm>
+          <a:off x="0" y="0"/>
+          <a:ext cx="0" cy="0"/>
+          <a:chOff x="0" y="0"/>
+          <a:chExt cx="0" cy="0"/>
+        </a:xfrm>
+      </p:grpSpPr>
+      <p:sp>
+        <p:nvSpPr>
+          <p:cNvPr id="2" name="Slide Image Placeholder 1"/>
+          <p:cNvSpPr>
+            <a:spLocks noGrp="1" noRot="1" noChangeAspect="1"/>
+          </p:cNvSpPr>
+          <p:nvPr>
+            <p:ph type="sldImg"/>
+          </p:nvPr>
+        </p:nvSpPr>
+        <p:spPr/>
+      </p:sp>
+      <p:sp>
+        <p:nvSpPr>
+          <p:cNvPr id="3" name="Notes Placeholder 2"/>
+          <p:cNvSpPr>
+            <a:spLocks noGrp="1"/>
+          </p:cNvSpPr>
+          <p:nvPr>
+            <p:ph type="body" idx="1"/>
+          </p:nvPr>
+        </p:nvSpPr>
+        <p:spPr/>
+        <p:txBody>
+          <a:bodyPr/>
+          <a:lstStyle/>
+          <a:p>
+            <a:r>
+              <a:rPr lang="en-US" dirty="0"/>
+              <a:t>Many methods are provided for Question Representation and Example Selection.</a:t>
+            </a:r>
+          </a:p>
+          <a:p>
+            <a:r>
+              <a:rPr lang="en-US" dirty="0"/>
+              <a:t>For the question representation we chose to proceed with the suggested one which is the “SQL Question Representation”</a:t>
+            </a:r>
+            <a:br>
+              <a:rPr lang="en-US" dirty="0"/>
+            </a:br>
+            <a:endParaRPr lang="en-US" dirty="0"/>
+          </a:p>
+          <a:p>
+            <a:r>
+              <a:rPr lang="en-US" dirty="0"/>
+              <a:t>An example can be seen on Figure 2:</a:t>
+            </a:r>
+          </a:p>
+          <a:p>
+            <a:r>
+              <a:rPr lang="en-US" dirty="0"/>
+              <a:t>The DB is given as valid SQL commands and the question as a comment</a:t>
+            </a:r>
+          </a:p>
+          <a:p>
+            <a:r>
+              <a:rPr lang="en-US" dirty="0"/>
+              <a:t>Finally, the word SELECT is added at the end to ensure better replies from the LLM</a:t>
+            </a:r>
+          </a:p>
+          <a:p>
+            <a:endParaRPr lang="en-US" dirty="0"/>
+          </a:p>
+          <a:p>
+            <a:r>
+              <a:rPr lang="en-US" dirty="0"/>
+              <a:t>For the question representation method, we chose “Euclidian Distance of Masked Questions”</a:t>
+            </a:r>
+          </a:p>
+          <a:p>
+            <a:r>
+              <a:rPr lang="en-US" dirty="0"/>
+              <a:t>This method:</a:t>
+            </a:r>
+          </a:p>
+          <a:p>
+            <a:pPr marL="228600" indent="-228600">
+              <a:buAutoNum type="arabicParenR"/>
+            </a:pPr>
+            <a:r>
+              <a:rPr lang="en-US" dirty="0"/>
+              <a:t>Masks domain specific information from the questions</a:t>
+            </a:r>
+          </a:p>
+          <a:p>
+            <a:pPr marL="228600" indent="-228600">
+              <a:buAutoNum type="arabicParenR"/>
+            </a:pPr>
+            <a:r>
+              <a:rPr lang="en-US" dirty="0"/>
+              <a:t>Extracts sentence embeddings</a:t>
+            </a:r>
+          </a:p>
+          <a:p>
+            <a:pPr marL="228600" indent="-228600">
+              <a:buAutoNum type="arabicParenR"/>
+            </a:pPr>
+            <a:r>
+              <a:rPr lang="en-US" dirty="0"/>
+              <a:t>Calculates the Euclidian distance between the embeddings.</a:t>
+            </a:r>
+          </a:p>
+          <a:p>
+            <a:pPr marL="0" indent="0">
+              <a:buNone/>
+            </a:pPr>
+            <a:endParaRPr lang="en-US" dirty="0"/>
+          </a:p>
+          <a:p>
+            <a:pPr marL="0" indent="0">
+              <a:buNone/>
+            </a:pPr>
+            <a:r>
+              <a:rPr lang="en-US" dirty="0"/>
+              <a:t>This example selection gave the best “Question Quality” score, which is a metric produced by the tool.</a:t>
+            </a:r>
+          </a:p>
+          <a:p>
+            <a:pPr marL="228600" indent="-228600">
+              <a:buAutoNum type="arabicParenR"/>
+            </a:pPr>
+            <a:endParaRPr lang="en-US" dirty="0"/>
+          </a:p>
+        </p:txBody>
+      </p:sp>
+      <p:sp>
+        <p:nvSpPr>
+          <p:cNvPr id="4" name="Slide Number Placeholder 3"/>
+          <p:cNvSpPr>
+            <a:spLocks noGrp="1"/>
+          </p:cNvSpPr>
+          <p:nvPr>
+            <p:ph type="sldNum" sz="quarter" idx="5"/>
+          </p:nvPr>
+        </p:nvSpPr>
+        <p:spPr/>
+        <p:txBody>
+          <a:bodyPr/>
+          <a:lstStyle/>
+          <a:p>
+            <a:fld id="{5C8EBDBD-B5B6-4C5C-8990-1648C105756E}" type="slidenum">
+              <a:rPr lang="en-US" smtClean="0"/>
+              <a:t>16</a:t>
+            </a:fld>
+            <a:endParaRPr lang="en-US"/>
+          </a:p>
+        </p:txBody>
+      </p:sp>
+    </p:spTree>
+    <p:extLst>
+      <p:ext uri="{BB962C8B-B14F-4D97-AF65-F5344CB8AC3E}">
+        <p14:creationId xmlns:p14="http://schemas.microsoft.com/office/powerpoint/2010/main" val="3677250174"/>
+      </p:ext>
+    </p:extLst>
+  </p:cSld>
+  <p:clrMapOvr>
+    <a:masterClrMapping/>
+  </p:clrMapOvr>
+</p:notes>
+</file>
+
+<file path=ppt/notesSlides/notesSlide17.xml><?xml version="1.0" encoding="utf-8"?>
+<p:notes xmlns:a="http://schemas.openxmlformats.org/drawingml/2006/main" xmlns:r="http://schemas.openxmlformats.org/officeDocument/2006/relationships" xmlns:p="http://schemas.openxmlformats.org/presentationml/2006/main">
+  <p:cSld>
+    <p:spTree>
+      <p:nvGrpSpPr>
+        <p:cNvPr id="1" name=""/>
+        <p:cNvGrpSpPr/>
+        <p:nvPr/>
+      </p:nvGrpSpPr>
+      <p:grpSpPr>
+        <a:xfrm>
+          <a:off x="0" y="0"/>
+          <a:ext cx="0" cy="0"/>
+          <a:chOff x="0" y="0"/>
+          <a:chExt cx="0" cy="0"/>
+        </a:xfrm>
+      </p:grpSpPr>
+      <p:sp>
+        <p:nvSpPr>
+          <p:cNvPr id="2" name="Θέση εικόνας διαφάνειας 1"/>
+          <p:cNvSpPr>
+            <a:spLocks noGrp="1" noRot="1" noChangeAspect="1"/>
+          </p:cNvSpPr>
+          <p:nvPr>
+            <p:ph type="sldImg"/>
+          </p:nvPr>
+        </p:nvSpPr>
+        <p:spPr/>
+      </p:sp>
+      <p:sp>
+        <p:nvSpPr>
+          <p:cNvPr id="3" name="Θέση σημειώσεων 2"/>
+          <p:cNvSpPr>
+            <a:spLocks noGrp="1"/>
+          </p:cNvSpPr>
+          <p:nvPr>
+            <p:ph type="body" idx="1"/>
+          </p:nvPr>
+        </p:nvSpPr>
+        <p:spPr/>
+        <p:txBody>
+          <a:bodyPr/>
+          <a:lstStyle/>
+          <a:p>
+            <a:r>
+              <a:rPr lang="en-US" dirty="0"/>
+              <a:t>Ok, lets look at the performance of this model.</a:t>
+            </a:r>
+          </a:p>
+          <a:p>
+            <a:endParaRPr lang="en-US" dirty="0"/>
+          </a:p>
+          <a:p>
+            <a:r>
+              <a:rPr lang="en-US" dirty="0"/>
+              <a:t>As before, a new baseline is required. </a:t>
+            </a:r>
+          </a:p>
+          <a:p>
+            <a:r>
+              <a:rPr lang="en-US" dirty="0"/>
+              <a:t>By looking at Table 10, we can see that although the exact match of the questions is rather low, the Execution match is on par with the RAT-SQL baseline</a:t>
+            </a:r>
+          </a:p>
+          <a:p>
+            <a:endParaRPr lang="en-US" dirty="0"/>
+          </a:p>
+          <a:p>
+            <a:r>
+              <a:rPr lang="en-US" dirty="0"/>
+              <a:t>Table 11 contains the scores for the Greek version.</a:t>
+            </a:r>
+          </a:p>
+          <a:p>
+            <a:r>
+              <a:rPr lang="en-US" dirty="0"/>
+              <a:t>What’s interesting here is that both exact match and inference scores are higher than the baseline.</a:t>
+            </a:r>
+          </a:p>
+          <a:p>
+            <a:r>
+              <a:rPr lang="en-US" dirty="0"/>
+              <a:t>This directly contradicts the results produced by RATSQL.</a:t>
+            </a:r>
+          </a:p>
+          <a:p>
+            <a:endParaRPr lang="en-US" dirty="0"/>
+          </a:p>
+          <a:p>
+            <a:r>
+              <a:rPr lang="en-US" dirty="0"/>
+              <a:t>One plausible explanation for this is that the Greek language is in general, more descriptive and can better convey meaning when compared to English.</a:t>
+            </a:r>
+          </a:p>
+          <a:p>
+            <a:r>
+              <a:rPr lang="en-US" dirty="0"/>
+              <a:t>This aids the selection of more accurate examples.</a:t>
+            </a:r>
+          </a:p>
+          <a:p>
+            <a:endParaRPr lang="en-US" dirty="0"/>
+          </a:p>
+          <a:p>
+            <a:r>
+              <a:rPr lang="en-US" dirty="0"/>
+              <a:t>However, since the main component is an LLM, this is only an assumption at this point, which certainly requires more investigation.</a:t>
+            </a:r>
+          </a:p>
+        </p:txBody>
+      </p:sp>
+      <p:sp>
+        <p:nvSpPr>
+          <p:cNvPr id="4" name="Θέση αριθμού διαφάνειας 3"/>
+          <p:cNvSpPr>
+            <a:spLocks noGrp="1"/>
+          </p:cNvSpPr>
+          <p:nvPr>
+            <p:ph type="sldNum" sz="quarter" idx="5"/>
+          </p:nvPr>
+        </p:nvSpPr>
+        <p:spPr/>
+        <p:txBody>
+          <a:bodyPr/>
+          <a:lstStyle/>
+          <a:p>
+            <a:fld id="{5C8EBDBD-B5B6-4C5C-8990-1648C105756E}" type="slidenum">
+              <a:rPr lang="en-US" smtClean="0"/>
+              <a:t>17</a:t>
+            </a:fld>
+            <a:endParaRPr lang="en-US"/>
+          </a:p>
+        </p:txBody>
+      </p:sp>
+    </p:spTree>
+    <p:extLst>
+      <p:ext uri="{BB962C8B-B14F-4D97-AF65-F5344CB8AC3E}">
+        <p14:creationId xmlns:p14="http://schemas.microsoft.com/office/powerpoint/2010/main" val="3695376949"/>
+      </p:ext>
+    </p:extLst>
+  </p:cSld>
+  <p:clrMapOvr>
+    <a:masterClrMapping/>
+  </p:clrMapOvr>
+</p:notes>
+</file>
+
+<file path=ppt/notesSlides/notesSlide18.xml><?xml version="1.0" encoding="utf-8"?>
+<p:notes xmlns:a="http://schemas.openxmlformats.org/drawingml/2006/main" xmlns:r="http://schemas.openxmlformats.org/officeDocument/2006/relationships" xmlns:p="http://schemas.openxmlformats.org/presentationml/2006/main">
+  <p:cSld>
+    <p:spTree>
+      <p:nvGrpSpPr>
+        <p:cNvPr id="1" name=""/>
+        <p:cNvGrpSpPr/>
+        <p:nvPr/>
+      </p:nvGrpSpPr>
+      <p:grpSpPr>
+        <a:xfrm>
+          <a:off x="0" y="0"/>
+          <a:ext cx="0" cy="0"/>
+          <a:chOff x="0" y="0"/>
+          <a:chExt cx="0" cy="0"/>
+        </a:xfrm>
+      </p:grpSpPr>
+      <p:sp>
+        <p:nvSpPr>
+          <p:cNvPr id="2" name="Slide Image Placeholder 1"/>
+          <p:cNvSpPr>
+            <a:spLocks noGrp="1" noRot="1" noChangeAspect="1"/>
+          </p:cNvSpPr>
+          <p:nvPr>
+            <p:ph type="sldImg"/>
+          </p:nvPr>
+        </p:nvSpPr>
+        <p:spPr/>
+      </p:sp>
+      <p:sp>
+        <p:nvSpPr>
+          <p:cNvPr id="3" name="Notes Placeholder 2"/>
+          <p:cNvSpPr>
+            <a:spLocks noGrp="1"/>
+          </p:cNvSpPr>
+          <p:nvPr>
+            <p:ph type="body" idx="1"/>
+          </p:nvPr>
+        </p:nvSpPr>
+        <p:spPr/>
+        <p:txBody>
+          <a:bodyPr/>
+          <a:lstStyle/>
+          <a:p>
+            <a:r>
+              <a:rPr lang="en-US" dirty="0"/>
               <a:t>So, what we have seen. We introduced Gr Spider, the first Greek dataset for text-to-SQL applications. To create this dataset, we translated the original dataset using Large Language Models, followed by our post-editing and verification efforts. We then used both the original and translated spider dataset to train the extended versions of RAT-SQL and DAIL-SQL models and finally, we presented and discussed the corresponding results.</a:t>
             </a:r>
             <a:endParaRPr lang="el-GR" dirty="0"/>
@@ -1143,7 +2023,7 @@
 </p:notes>
 </file>
 
-<file path=ppt/notesSlides/notesSlide16.xml><?xml version="1.0" encoding="utf-8"?>
+<file path=ppt/notesSlides/notesSlide19.xml><?xml version="1.0" encoding="utf-8"?>
 <p:notes xmlns:a="http://schemas.openxmlformats.org/drawingml/2006/main" xmlns:r="http://schemas.openxmlformats.org/officeDocument/2006/relationships" xmlns:p="http://schemas.openxmlformats.org/presentationml/2006/main">
   <p:cSld>
     <p:spTree>
@@ -1347,7 +2227,28 @@
           <a:bodyPr/>
           <a:lstStyle/>
           <a:p>
-            <a:endParaRPr lang="el-GR" dirty="0"/>
+            <a:r>
+              <a:rPr lang="en-US" dirty="0"/>
+              <a:t>First, we will say a few things about the Text-to-SQL task in general and quickly go through the Spider Dataset,</a:t>
+            </a:r>
+          </a:p>
+          <a:p>
+            <a:r>
+              <a:rPr lang="en-US" dirty="0"/>
+              <a:t>Then we will talk about our modification -&gt; The Greek Spider and the challenges we faced during the translation</a:t>
+            </a:r>
+          </a:p>
+          <a:p>
+            <a:r>
+              <a:rPr lang="en-US" dirty="0"/>
+              <a:t>After that, we will benchmark Gr-Spider</a:t>
+            </a:r>
+          </a:p>
+          <a:p>
+            <a:r>
+              <a:rPr lang="en-US" dirty="0"/>
+              <a:t>Finally, we will present a live demo</a:t>
+            </a:r>
           </a:p>
         </p:txBody>
       </p:sp>
@@ -1406,7 +2307,7 @@
       </p:grpSpPr>
       <p:sp>
         <p:nvSpPr>
-          <p:cNvPr id="2" name="Slide Image Placeholder 1"/>
+          <p:cNvPr id="2" name="Θέση εικόνας διαφάνειας 1"/>
           <p:cNvSpPr>
             <a:spLocks noGrp="1" noRot="1" noChangeAspect="1"/>
           </p:cNvSpPr>
@@ -1418,7 +2319,7 @@
       </p:sp>
       <p:sp>
         <p:nvSpPr>
-          <p:cNvPr id="3" name="Notes Placeholder 2"/>
+          <p:cNvPr id="3" name="Θέση σημειώσεων 2"/>
           <p:cNvSpPr>
             <a:spLocks noGrp="1"/>
           </p:cNvSpPr>
@@ -1431,46 +2332,43 @@
           <a:bodyPr/>
           <a:lstStyle/>
           <a:p>
-            <a:pPr algn="l"/>
-            <a:r>
-              <a:rPr lang="en-US" sz="2800" dirty="0"/>
-              <a:t>Due to the course’s time constraints, we used only a subset of the data. We split the development data into the required files (</a:t>
-            </a:r>
-            <a:r>
-              <a:rPr lang="en-US" sz="2800" dirty="0" err="1"/>
-              <a:t>train_spider.json</a:t>
-            </a:r>
-            <a:r>
-              <a:rPr lang="en-US" sz="2800" dirty="0"/>
-              <a:t>, </a:t>
-            </a:r>
-            <a:r>
-              <a:rPr lang="en-US" sz="2800" dirty="0" err="1"/>
-              <a:t>train_others.json</a:t>
-            </a:r>
-            <a:r>
-              <a:rPr lang="en-US" sz="2800" dirty="0"/>
-              <a:t>, </a:t>
-            </a:r>
-            <a:r>
-              <a:rPr lang="en-US" sz="2800" dirty="0" err="1"/>
-              <a:t>dev.json</a:t>
-            </a:r>
-            <a:r>
-              <a:rPr lang="en-US" sz="2800" dirty="0"/>
-              <a:t>) to match the proportions of the data in the original files, as shown in Table 1. On the left side of the table, we can see the number of questions in the original Spider dataset and on the right, the data in our version, as well as the corresponding proportions. We will refer to this dataset as 'Mini-Spider' and the equivalent dataset in Greek as 'Mini-Gr-Spider’. </a:t>
-            </a:r>
-            <a:r>
-              <a:rPr lang="en-US" sz="4000" dirty="0"/>
-              <a:t>Regarding the database details, it consists of twenty distinct schemas, with eighty-one tables and four hundred forty-one columns, along with one thousand thirty-four related questions</a:t>
-            </a:r>
-            <a:endParaRPr lang="el-GR" dirty="0"/>
-          </a:p>
-        </p:txBody>
-      </p:sp>
-      <p:sp>
-        <p:nvSpPr>
-          <p:cNvPr id="4" name="Slide Number Placeholder 3"/>
+            <a:r>
+              <a:rPr lang="en-US" dirty="0"/>
+              <a:t>Text-to-SQL, also known as Natural Language to SQL (NL2SQL), is a task in natural language processing that aims to convert human language queries into structured SQL queries. </a:t>
+            </a:r>
+          </a:p>
+          <a:p>
+            <a:r>
+              <a:rPr lang="en-US" dirty="0"/>
+              <a:t>This involves analyzing the input text to understand its meaning and then mapping it to the appropriate SQL query components such as SELECT, FROM, WHERE and JOIN clauses.</a:t>
+            </a:r>
+          </a:p>
+          <a:p>
+            <a:endParaRPr lang="en-US" dirty="0"/>
+          </a:p>
+          <a:p>
+            <a:r>
+              <a:rPr lang="en-US" dirty="0"/>
+              <a:t>Why did we choose the Gr-Spider?</a:t>
+            </a:r>
+          </a:p>
+          <a:p>
+            <a:r>
+              <a:rPr lang="en-US" dirty="0"/>
+              <a:t>Existing benchmark datasets are primarily in English, with a few exceptions</a:t>
+            </a:r>
+          </a:p>
+          <a:p>
+            <a:r>
+              <a:rPr lang="en-US" dirty="0"/>
+              <a:t>Most Text-to-SQL solutions are designed with the English language in mind, as such there are limited resources for other languages.</a:t>
+            </a:r>
+          </a:p>
+        </p:txBody>
+      </p:sp>
+      <p:sp>
+        <p:nvSpPr>
+          <p:cNvPr id="4" name="Θέση αριθμού διαφάνειας 3"/>
           <p:cNvSpPr>
             <a:spLocks noGrp="1"/>
           </p:cNvSpPr>
@@ -1485,7 +2383,7 @@
           <a:p>
             <a:fld id="{5C8EBDBD-B5B6-4C5C-8990-1648C105756E}" type="slidenum">
               <a:rPr lang="en-US" smtClean="0"/>
-              <a:t>5</a:t>
+              <a:t>3</a:t>
             </a:fld>
             <a:endParaRPr lang="en-US"/>
           </a:p>
@@ -1494,7 +2392,7 @@
     </p:spTree>
     <p:extLst>
       <p:ext uri="{BB962C8B-B14F-4D97-AF65-F5344CB8AC3E}">
-        <p14:creationId xmlns:p14="http://schemas.microsoft.com/office/powerpoint/2010/main" val="518841860"/>
+        <p14:creationId xmlns:p14="http://schemas.microsoft.com/office/powerpoint/2010/main" val="4045247328"/>
       </p:ext>
     </p:extLst>
   </p:cSld>
@@ -1523,7 +2421,7 @@
       </p:grpSpPr>
       <p:sp>
         <p:nvSpPr>
-          <p:cNvPr id="2" name="Slide Image Placeholder 1"/>
+          <p:cNvPr id="2" name="Θέση εικόνας διαφάνειας 1"/>
           <p:cNvSpPr>
             <a:spLocks noGrp="1" noRot="1" noChangeAspect="1"/>
           </p:cNvSpPr>
@@ -1535,7 +2433,7 @@
       </p:sp>
       <p:sp>
         <p:nvSpPr>
-          <p:cNvPr id="3" name="Notes Placeholder 2"/>
+          <p:cNvPr id="3" name="Θέση σημειώσεων 2"/>
           <p:cNvSpPr>
             <a:spLocks noGrp="1"/>
           </p:cNvSpPr>
@@ -1548,52 +2446,90 @@
           <a:bodyPr/>
           <a:lstStyle/>
           <a:p>
-            <a:pPr algn="l"/>
-            <a:r>
-              <a:rPr lang="en-US" sz="1800" b="0" i="0" u="none" strike="noStrike" baseline="0" dirty="0">
-                <a:latin typeface="CMR10"/>
-              </a:rPr>
-              <a:t>The translation process is structured into two steps: First, we translated the schema, including table and column names. Next, the question translation was performed using the translated schema as a reference. To increase efficiency and avoid manual translation of all information, we first used Large Language Models in order to translate the Spider dataset. Then, we correct and post-edit the translations, utilizing any gathered contextual information. The final translation at each stage </a:t>
-            </a:r>
-            <a:r>
-              <a:rPr lang="en-US" sz="1800" b="0" i="0" u="none" strike="noStrike" baseline="0" dirty="0" err="1">
-                <a:latin typeface="CMR10"/>
-              </a:rPr>
-              <a:t>resultef</a:t>
-            </a:r>
-            <a:r>
-              <a:rPr lang="en-US" sz="1800" b="0" i="0" u="none" strike="noStrike" baseline="0" dirty="0">
-                <a:latin typeface="CMR10"/>
-              </a:rPr>
-              <a:t> from a cross-check between ours post-editing efforts. LLMs were selected </a:t>
-            </a:r>
-            <a:r>
-              <a:rPr lang="en-US" sz="2800" dirty="0"/>
-              <a:t>for their translation capabilities. </a:t>
-            </a:r>
-            <a:r>
-              <a:rPr lang="en-US" sz="1800" b="0" i="0" u="none" strike="noStrike" baseline="0" dirty="0">
-                <a:latin typeface="CMR10"/>
-              </a:rPr>
-              <a:t>For the translation task, we designed specific system prompts, which are outlined in Table 2. Also, we created </a:t>
-            </a:r>
-            <a:r>
-              <a:rPr lang="en-US" sz="1800" dirty="0"/>
-              <a:t>a structured input format</a:t>
-            </a:r>
-            <a:r>
-              <a:rPr lang="en-US" sz="1800" b="0" i="0" u="none" strike="noStrike" baseline="0" dirty="0">
-                <a:latin typeface="CMR10"/>
-              </a:rPr>
-              <a:t> to feed into the language models to obtain the translated information. An example of these inputs can be seen in the image. </a:t>
-            </a:r>
-            <a:endParaRPr lang="el-GR" dirty="0"/>
-          </a:p>
-        </p:txBody>
-      </p:sp>
-      <p:sp>
-        <p:nvSpPr>
-          <p:cNvPr id="4" name="Slide Number Placeholder 3"/>
+            <a:r>
+              <a:rPr lang="en-US" dirty="0"/>
+              <a:t>In order to introduce Gr-Spider, we first have to briefly talk about the original Spider.</a:t>
+            </a:r>
+          </a:p>
+          <a:p>
+            <a:endParaRPr lang="en-US" dirty="0"/>
+          </a:p>
+          <a:p>
+            <a:r>
+              <a:rPr lang="en-US" dirty="0"/>
+              <a:t>Spider is a comprehensive, large-scale dataset for semantic parsing and text-to-SQL tasks, annotated by 11 Yale college students</a:t>
+            </a:r>
+          </a:p>
+          <a:p>
+            <a:endParaRPr lang="en-US" dirty="0"/>
+          </a:p>
+          <a:p>
+            <a:r>
+              <a:rPr lang="en-US" dirty="0"/>
+              <a:t>It’s comprised of 10 thousand questions and 5 and a half thousand unique SQL Queries</a:t>
+            </a:r>
+          </a:p>
+          <a:p>
+            <a:r>
+              <a:rPr lang="en-US" dirty="0"/>
+              <a:t>SQL queries are categorized into four difficulty levels: Easy, Medium, Hard, and Extra Hard. We will refer to these categories as \</a:t>
+            </a:r>
+            <a:r>
+              <a:rPr lang="en-US" dirty="0" err="1"/>
+              <a:t>textbf</a:t>
+            </a:r>
+            <a:r>
+              <a:rPr lang="en-US" dirty="0"/>
+              <a:t>{(E), (M), (H) and (Ex)}</a:t>
+            </a:r>
+          </a:p>
+          <a:p>
+            <a:endParaRPr lang="en-US" dirty="0"/>
+          </a:p>
+          <a:p>
+            <a:r>
+              <a:rPr lang="en-US" dirty="0"/>
+              <a:t>It cover 2 hundred databases across 1 </a:t>
+            </a:r>
+            <a:r>
+              <a:rPr lang="en-US" dirty="0" err="1"/>
+              <a:t>hundreend</a:t>
+            </a:r>
+            <a:r>
+              <a:rPr lang="en-US" dirty="0"/>
+              <a:t> and thirty eight different </a:t>
+            </a:r>
+            <a:r>
+              <a:rPr lang="en-US" dirty="0" err="1"/>
+              <a:t>domanins</a:t>
+            </a:r>
+            <a:r>
+              <a:rPr lang="en-US" dirty="0"/>
+              <a:t>.</a:t>
+            </a:r>
+          </a:p>
+          <a:p>
+            <a:endParaRPr lang="en-US" dirty="0"/>
+          </a:p>
+          <a:p>
+            <a:r>
+              <a:rPr lang="en-US" dirty="0"/>
+              <a:t>Our objective is to introduce the first, to our knowledge, Greek dataset for text 2 </a:t>
+            </a:r>
+            <a:r>
+              <a:rPr lang="en-US" dirty="0" err="1"/>
+              <a:t>sql</a:t>
+            </a:r>
+            <a:r>
+              <a:rPr lang="en-US" dirty="0"/>
+              <a:t> apps by adapting the Spider Dataset into Greek.</a:t>
+            </a:r>
+          </a:p>
+        </p:txBody>
+      </p:sp>
+      <p:sp>
+        <p:nvSpPr>
+          <p:cNvPr id="4" name="Θέση αριθμού διαφάνειας 3"/>
           <p:cNvSpPr>
             <a:spLocks noGrp="1"/>
           </p:cNvSpPr>
@@ -1608,7 +2544,7 @@
           <a:p>
             <a:fld id="{5C8EBDBD-B5B6-4C5C-8990-1648C105756E}" type="slidenum">
               <a:rPr lang="en-US" smtClean="0"/>
-              <a:t>6</a:t>
+              <a:t>4</a:t>
             </a:fld>
             <a:endParaRPr lang="en-US"/>
           </a:p>
@@ -1617,7 +2553,7 @@
     </p:spTree>
     <p:extLst>
       <p:ext uri="{BB962C8B-B14F-4D97-AF65-F5344CB8AC3E}">
-        <p14:creationId xmlns:p14="http://schemas.microsoft.com/office/powerpoint/2010/main" val="1002680127"/>
+        <p14:creationId xmlns:p14="http://schemas.microsoft.com/office/powerpoint/2010/main" val="4109817198"/>
       </p:ext>
     </p:extLst>
   </p:cSld>
@@ -1673,55 +2609,36 @@
           <a:p>
             <a:pPr algn="l"/>
             <a:r>
-              <a:rPr lang="en-US" sz="1800" b="0" i="0" u="none" strike="noStrike" baseline="0" dirty="0">
-                <a:solidFill>
-                  <a:srgbClr val="000000"/>
-                </a:solidFill>
-                <a:latin typeface="CMR10"/>
-              </a:rPr>
-              <a:t>Regarding the Large Language Models evaluation, we examined three models for their suitability for English-to-Greek translation namely Llama 3 , Meltemi</a:t>
-            </a:r>
-            <a:r>
-              <a:rPr lang="en-US" sz="1800" b="0" i="0" u="none" strike="noStrike" baseline="0" dirty="0">
-                <a:solidFill>
-                  <a:srgbClr val="000000"/>
-                </a:solidFill>
-                <a:latin typeface="CMR7"/>
-              </a:rPr>
-              <a:t> </a:t>
-            </a:r>
-            <a:r>
-              <a:rPr lang="en-US" sz="1800" b="0" i="0" u="none" strike="noStrike" baseline="0" dirty="0">
-                <a:solidFill>
-                  <a:srgbClr val="000000"/>
-                </a:solidFill>
-                <a:latin typeface="CMR10"/>
-              </a:rPr>
-              <a:t>and Gpt-3.5 Turbo. To identify the optimal model, we manually translated 3 schemas into Greek, comprising </a:t>
-            </a:r>
-            <a:r>
-              <a:rPr lang="en-US" sz="1800" b="0" i="0" u="none" strike="noStrike" baseline="0" dirty="0">
-                <a:solidFill>
-                  <a:srgbClr val="FF0000"/>
-                </a:solidFill>
-                <a:latin typeface="CMR10"/>
-              </a:rPr>
-              <a:t>of </a:t>
-            </a:r>
-            <a:r>
-              <a:rPr lang="en-US" sz="1800" b="0" i="0" u="none" strike="noStrike" baseline="0" dirty="0">
-                <a:solidFill>
-                  <a:srgbClr val="000000"/>
-                </a:solidFill>
-                <a:latin typeface="CMR10"/>
-              </a:rPr>
-              <a:t>18 tables and 89 columns. Subsequently, we fed the 258 relevant questions into the models using the previously mentioned prompts and obtained the translated questions. We then validated these translations to assess their accuracy. As we can see in Table 3, Gpt-3.5 Turbo translated the most questions correctly, leading us to select it for the subsequent translation tasks. The ‘No one’ entry shows the percentage of questions that were incorrectly translated by all the language models. It </a:t>
-            </a:r>
-            <a:r>
-              <a:rPr lang="en-US" sz="1800" b="0" i="0" u="none" strike="noStrike" baseline="0" dirty="0">
-                <a:latin typeface="CMR10"/>
-              </a:rPr>
-              <a:t>is worth noting that translated questions produced by LLMs, which included additional text such as explanations for why the question was translated a certain way or definitions of tables and columns, were marked as incorrect. This is caused by the models’ ‘babbling’ behavior, especially in Llama3 and Meltemi. This is the main reason why these models have not achieved good accuracy</a:t>
+              <a:rPr lang="en-US" sz="2800" dirty="0"/>
+              <a:t>Due to the course’s time constraints, we used only a subset of the data. We split the development data into the required files (</a:t>
+            </a:r>
+            <a:r>
+              <a:rPr lang="en-US" sz="2800" dirty="0" err="1"/>
+              <a:t>train_spider.json</a:t>
+            </a:r>
+            <a:r>
+              <a:rPr lang="en-US" sz="2800" dirty="0"/>
+              <a:t>, </a:t>
+            </a:r>
+            <a:r>
+              <a:rPr lang="en-US" sz="2800" dirty="0" err="1"/>
+              <a:t>train_others.json</a:t>
+            </a:r>
+            <a:r>
+              <a:rPr lang="en-US" sz="2800" dirty="0"/>
+              <a:t>, </a:t>
+            </a:r>
+            <a:r>
+              <a:rPr lang="en-US" sz="2800" dirty="0" err="1"/>
+              <a:t>dev.json</a:t>
+            </a:r>
+            <a:r>
+              <a:rPr lang="en-US" sz="2800" dirty="0"/>
+              <a:t>) to match the proportions of the data in the original files, as shown in Table 1. On the left side of the table, we can see the number of questions in the original Spider dataset and on the right, the data in our version, as well as the corresponding proportions. We will refer to this dataset as 'Mini-Spider' and the equivalent dataset in Greek as 'Mini-Gr-Spider’. </a:t>
+            </a:r>
+            <a:r>
+              <a:rPr lang="en-US" sz="4000" dirty="0"/>
+              <a:t>Regarding the database details, it consists of twenty distinct schemas, with eighty-one tables and four hundred forty-one columns, along with one thousand thirty-four related questions</a:t>
             </a:r>
             <a:endParaRPr lang="el-GR" dirty="0"/>
           </a:p>
@@ -1744,7 +2661,7 @@
           <a:p>
             <a:fld id="{5C8EBDBD-B5B6-4C5C-8990-1648C105756E}" type="slidenum">
               <a:rPr lang="en-US" smtClean="0"/>
-              <a:t>7</a:t>
+              <a:t>5</a:t>
             </a:fld>
             <a:endParaRPr lang="en-US"/>
           </a:p>
@@ -1753,7 +2670,7 @@
     </p:spTree>
     <p:extLst>
       <p:ext uri="{BB962C8B-B14F-4D97-AF65-F5344CB8AC3E}">
-        <p14:creationId xmlns:p14="http://schemas.microsoft.com/office/powerpoint/2010/main" val="1559829647"/>
+        <p14:creationId xmlns:p14="http://schemas.microsoft.com/office/powerpoint/2010/main" val="518841860"/>
       </p:ext>
     </p:extLst>
   </p:cSld>
@@ -1812,53 +2729,39 @@
               <a:rPr lang="en-US" sz="1800" b="0" i="0" u="none" strike="noStrike" baseline="0" dirty="0">
                 <a:latin typeface="CMR10"/>
               </a:rPr>
-              <a:t>Based on our initial investigation, we have identified the most common errors that arise when translating the spider dataset covering both schema and questions. </a:t>
-            </a:r>
-            <a:r>
-              <a:rPr lang="en-US" sz="1800" b="0" i="0" u="none" strike="noStrike" baseline="0" dirty="0">
-                <a:latin typeface="CMBX10"/>
+              <a:t>The translation process is structured into two steps: First, we translated the schema, including table and column names. Next, the question translation was performed using the translated schema as a reference. To increase efficiency and avoid manual translation of all information, we first used Large Language Models in order to translate the Spider dataset. Then, we correct and post-edit the translations, utilizing any gathered contextual information. The final translation at each stage </a:t>
+            </a:r>
+            <a:r>
+              <a:rPr lang="en-US" sz="1800" b="0" i="0" u="none" strike="noStrike" baseline="0" dirty="0" err="1">
+                <a:latin typeface="CMR10"/>
               </a:rPr>
-              <a:t>The first one is Ambiguity in Context and Domain Knowledge: this means that </a:t>
+              <a:t>resultef</a:t>
             </a:r>
             <a:r>
               <a:rPr lang="en-US" sz="1800" b="0" i="0" u="none" strike="noStrike" baseline="0" dirty="0">
                 <a:latin typeface="CMR10"/>
               </a:rPr>
-              <a:t>some schema information lacks clarity regarding its intended reference. For instance, the term ‘Student’ may be relevant to a college attendee, a school-level student or even a doctoral candidate. Additionally, there are abbreviations, especially in column names, whose specific meaning is unclear. In such cases, we refer to the questions that use this information to validate the logic. </a:t>
-            </a:r>
-            <a:r>
-              <a:rPr lang="en-US" sz="1800" b="0" i="0" u="none" strike="noStrike" baseline="0" dirty="0">
-                <a:latin typeface="CMBX10"/>
-              </a:rPr>
-              <a:t>Next, we have the Non-1-1 Association </a:t>
+              <a:t> from a cross-check between ours post-editing efforts. LLMs were selected </a:t>
             </a:r>
             <a:r>
               <a:rPr lang="en-US" sz="2800" dirty="0"/>
-              <a:t>problem</a:t>
-            </a:r>
-            <a:r>
-              <a:rPr lang="en-US" sz="1800" b="0" i="0" u="none" strike="noStrike" baseline="0" dirty="0">
-                <a:latin typeface="CMBX10"/>
-              </a:rPr>
-              <a:t>: </a:t>
+              <a:t>for their translation capabilities. </a:t>
             </a:r>
             <a:r>
               <a:rPr lang="en-US" sz="1800" b="0" i="0" u="none" strike="noStrike" baseline="0" dirty="0">
                 <a:latin typeface="CMR10"/>
               </a:rPr>
-              <a:t>Some English words do not have exact equivalents in Greek. For instance, the word ’State’ can be translated as ‘Politeia’, but in English, it typically means each of the federal states constituting the United States, whereas in Greek, it refers to the organization of a city-state or the form of government. </a:t>
-            </a:r>
-            <a:r>
-              <a:rPr lang="en-US" sz="1800" b="0" i="0" u="none" strike="noStrike" baseline="0" dirty="0">
-                <a:latin typeface="CMBX10"/>
-              </a:rPr>
-              <a:t>Finally we have the Entity polysemy challenge: </a:t>
+              <a:t>For the translation task, we designed specific system prompts, which are outlined in Table 2. Also, we created </a:t>
+            </a:r>
+            <a:r>
+              <a:rPr lang="en-US" sz="1800" dirty="0"/>
+              <a:t>a structured input format</a:t>
             </a:r>
             <a:r>
               <a:rPr lang="en-US" sz="1800" b="0" i="0" u="none" strike="noStrike" baseline="0" dirty="0">
                 <a:latin typeface="CMR10"/>
               </a:rPr>
-              <a:t>Certain words have multiple meanings in Greek. For example, the word ‘Transcript’ can refer to a general written or printed material, but it can also refer to a record study of a student .</a:t>
+              <a:t> to feed into the language models to obtain the translated information. An example of these inputs can be seen in the image. </a:t>
             </a:r>
             <a:endParaRPr lang="el-GR" dirty="0"/>
           </a:p>
@@ -1881,7 +2784,7 @@
           <a:p>
             <a:fld id="{5C8EBDBD-B5B6-4C5C-8990-1648C105756E}" type="slidenum">
               <a:rPr lang="en-US" smtClean="0"/>
-              <a:t>8</a:t>
+              <a:t>6</a:t>
             </a:fld>
             <a:endParaRPr lang="en-US"/>
           </a:p>
@@ -1890,7 +2793,7 @@
     </p:spTree>
     <p:extLst>
       <p:ext uri="{BB962C8B-B14F-4D97-AF65-F5344CB8AC3E}">
-        <p14:creationId xmlns:p14="http://schemas.microsoft.com/office/powerpoint/2010/main" val="2913097291"/>
+        <p14:creationId xmlns:p14="http://schemas.microsoft.com/office/powerpoint/2010/main" val="1002680127"/>
       </p:ext>
     </p:extLst>
   </p:cSld>
@@ -1947,88 +2850,55 @@
             <a:pPr algn="l"/>
             <a:r>
               <a:rPr lang="en-US" sz="1800" b="0" i="0" u="none" strike="noStrike" baseline="0" dirty="0">
+                <a:solidFill>
+                  <a:srgbClr val="000000"/>
+                </a:solidFill>
                 <a:latin typeface="CMR10"/>
               </a:rPr>
-              <a:t>While Gpt-3.5 Turbo performed excellent in the translation process, we continued to refine the schema and the questions. Regarding the adjustments, we reorganized the content within sentences, eliminated unnecessary words and refined the sentence structures to sound more natural. Additionally, we corrected table and column names where needed. This was necessary because </a:t>
-            </a:r>
-            <a:r>
-              <a:rPr lang="en-US" sz="1800" b="0" i="0" u="none" strike="noStrike" baseline="0" dirty="0" err="1">
+              <a:t>Regarding the Large Language Models evaluation, we examined three models for their suitability for English-to-Greek translation namely Llama 3 , Meltemi</a:t>
+            </a:r>
+            <a:r>
+              <a:rPr lang="en-US" sz="1800" b="0" i="0" u="none" strike="noStrike" baseline="0" dirty="0">
+                <a:solidFill>
+                  <a:srgbClr val="000000"/>
+                </a:solidFill>
+                <a:latin typeface="CMR7"/>
+              </a:rPr>
+              <a:t> </a:t>
+            </a:r>
+            <a:r>
+              <a:rPr lang="en-US" sz="1800" b="0" i="0" u="none" strike="noStrike" baseline="0" dirty="0">
+                <a:solidFill>
+                  <a:srgbClr val="000000"/>
+                </a:solidFill>
                 <a:latin typeface="CMR10"/>
               </a:rPr>
-              <a:t>Gpt</a:t>
+              <a:t>and Gpt-3.5 Turbo. To identify the optimal model, we manually translated 3 schemas into Greek, comprising </a:t>
+            </a:r>
+            <a:r>
+              <a:rPr lang="en-US" sz="1800" b="0" i="0" u="none" strike="noStrike" baseline="0" dirty="0">
+                <a:solidFill>
+                  <a:srgbClr val="FF0000"/>
+                </a:solidFill>
+                <a:latin typeface="CMR10"/>
+              </a:rPr>
+              <a:t>of </a:t>
+            </a:r>
+            <a:r>
+              <a:rPr lang="en-US" sz="1800" b="0" i="0" u="none" strike="noStrike" baseline="0" dirty="0">
+                <a:solidFill>
+                  <a:srgbClr val="000000"/>
+                </a:solidFill>
+                <a:latin typeface="CMR10"/>
+              </a:rPr>
+              <a:t>18 tables and 89 columns. Subsequently, we fed the 258 relevant questions into the models using the previously mentioned prompts and obtained the translated questions. We then validated these translations to assess their accuracy. As we can see in Table 3, Gpt-3.5 Turbo translated the most questions correctly, leading us to select it for the subsequent translation tasks. The ‘No one’ entry shows the percentage of questions that were incorrectly translated by all the language models. It </a:t>
             </a:r>
             <a:r>
               <a:rPr lang="en-US" sz="1800" b="0" i="0" u="none" strike="noStrike" baseline="0" dirty="0">
                 <a:latin typeface="CMR10"/>
               </a:rPr>
-              <a:t>, occasionally, did not strictly follow the input keywords provided in the prompt. Instead, it translated the content from scratch.</a:t>
-            </a:r>
-          </a:p>
-          <a:p>
-            <a:pPr algn="l"/>
-            <a:r>
-              <a:rPr lang="en-US" sz="1800" b="0" i="0" u="none" strike="noStrike" baseline="0" dirty="0">
-                <a:latin typeface="CMR10"/>
-              </a:rPr>
-              <a:t>Details of the statistics of the post-editing data can be found in Table 4. The </a:t>
-            </a:r>
-            <a:r>
-              <a:rPr lang="en-US" sz="1800" b="0" i="0" u="none" strike="noStrike" baseline="0" dirty="0">
-                <a:latin typeface="CMTI10"/>
-              </a:rPr>
-              <a:t>is altered </a:t>
-            </a:r>
-            <a:r>
-              <a:rPr lang="en-US" sz="1800" b="0" i="0" u="none" strike="noStrike" baseline="0" dirty="0">
-                <a:latin typeface="CMR10"/>
-              </a:rPr>
-              <a:t>information in the table reveals the percentage of questions that were modified between the initial </a:t>
-            </a:r>
-            <a:r>
-              <a:rPr lang="en-US" sz="1800" b="0" i="0" u="none" strike="noStrike" baseline="0" dirty="0" err="1">
-                <a:latin typeface="CMR10"/>
-              </a:rPr>
-              <a:t>Gpt</a:t>
-            </a:r>
-            <a:r>
-              <a:rPr lang="en-US" sz="1800" b="0" i="0" u="none" strike="noStrike" baseline="0" dirty="0">
-                <a:latin typeface="CMR10"/>
-              </a:rPr>
-              <a:t> translation and the final translated version. As mentioned earlier, each annotator verified and post-edited the </a:t>
-            </a:r>
-            <a:r>
-              <a:rPr lang="en-US" sz="1800" b="0" i="0" u="none" strike="noStrike" baseline="0" dirty="0" err="1">
-                <a:latin typeface="CMR10"/>
-              </a:rPr>
-              <a:t>Gpt</a:t>
-            </a:r>
-            <a:r>
-              <a:rPr lang="en-US" sz="1800" b="0" i="0" u="none" strike="noStrike" baseline="0" dirty="0">
-                <a:latin typeface="CMR10"/>
-              </a:rPr>
-              <a:t> translation. The final translation resulted from a verification process of the post-edits. The </a:t>
-            </a:r>
-            <a:r>
-              <a:rPr lang="en-US" sz="1800" b="0" i="0" u="none" strike="noStrike" baseline="0" dirty="0">
-                <a:latin typeface="CMTI10"/>
-              </a:rPr>
-              <a:t>cross check </a:t>
-            </a:r>
-            <a:r>
-              <a:rPr lang="en-US" sz="1800" b="0" i="0" u="none" strike="noStrike" baseline="0" dirty="0">
-                <a:latin typeface="CMR10"/>
-              </a:rPr>
-              <a:t>information indicates the percentage of disagreement between our annotations (based only on the data that were altered).</a:t>
-            </a:r>
-          </a:p>
-          <a:p>
-            <a:pPr algn="l"/>
-            <a:endParaRPr lang="en-US" sz="1800" b="0" i="0" u="none" strike="noStrike" baseline="0" dirty="0">
-              <a:latin typeface="CMR10"/>
-            </a:endParaRPr>
-          </a:p>
-          <a:p>
-            <a:pPr algn="l"/>
+              <a:t>is worth noting that translated questions produced by LLMs, which included additional text such as explanations for why the question was translated a certain way or definitions of tables and columns, were marked as incorrect. This is caused by the models’ ‘babbling’ behavior, especially in Llama3 and Meltemi. This is the main reason why these models have not achieved good accuracy</a:t>
+            </a:r>
             <a:endParaRPr lang="el-GR" dirty="0"/>
           </a:p>
         </p:txBody>
@@ -2050,7 +2920,7 @@
           <a:p>
             <a:fld id="{5C8EBDBD-B5B6-4C5C-8990-1648C105756E}" type="slidenum">
               <a:rPr lang="en-US" smtClean="0"/>
-              <a:t>9</a:t>
+              <a:t>7</a:t>
             </a:fld>
             <a:endParaRPr lang="en-US"/>
           </a:p>
@@ -2059,7 +2929,7 @@
     </p:spTree>
     <p:extLst>
       <p:ext uri="{BB962C8B-B14F-4D97-AF65-F5344CB8AC3E}">
-        <p14:creationId xmlns:p14="http://schemas.microsoft.com/office/powerpoint/2010/main" val="3454537888"/>
+        <p14:creationId xmlns:p14="http://schemas.microsoft.com/office/powerpoint/2010/main" val="1559829647"/>
       </p:ext>
     </p:extLst>
   </p:cSld>
@@ -2115,21 +2985,58 @@
           <a:p>
             <a:pPr algn="l"/>
             <a:r>
-              <a:rPr lang="en-US" sz="4000" dirty="0"/>
-              <a:t>For the experiment, we explored two powerful Text-to-SQL models. RAT-SQL was utilized for a </a:t>
-            </a:r>
-            <a:r>
-              <a:rPr lang="en-US" sz="5400" dirty="0"/>
-              <a:t>traditional </a:t>
-            </a:r>
-            <a:r>
-              <a:rPr lang="en-US" sz="4000" dirty="0"/>
-              <a:t>machine learning approach to the Text-to-SQL problem, while DAIL-SQL was chosen to assess its effectiveness, employing advanced prompt engineering to leverage large language models (LLMs).</a:t>
-            </a:r>
-            <a:r>
-              <a:rPr lang="en-US" sz="5400" dirty="0"/>
-              <a:t> Additionally, since existing work uses the full version of the Spider Dataset while we use the Mini-Spider, we required a new baseline for each model to ensure meaningful evaluations. Therefore, we utilized the Mini-Spider dataset for training, evaluation and metric calculation, establishing the main reference for later analysis.</a:t>
-            </a:r>
+              <a:rPr lang="en-US" sz="1800" b="0" i="0" u="none" strike="noStrike" baseline="0" dirty="0">
+                <a:latin typeface="CMR10"/>
+              </a:rPr>
+              <a:t>Based on our initial investigation, we have identified the most common errors that arise when translating the spider dataset covering both schema and questions. </a:t>
+            </a:r>
+            <a:r>
+              <a:rPr lang="en-US" sz="1800" b="0" i="0" u="none" strike="noStrike" baseline="0" dirty="0">
+                <a:latin typeface="CMBX10"/>
+              </a:rPr>
+              <a:t>The first one is Ambiguity in Context and Domain Knowledge: this means that </a:t>
+            </a:r>
+            <a:r>
+              <a:rPr lang="en-US" sz="1800" b="0" i="0" u="none" strike="noStrike" baseline="0" dirty="0">
+                <a:latin typeface="CMR10"/>
+              </a:rPr>
+              <a:t>some schema information lacks clarity regarding its intended reference. For instance, the term ‘Student’ may be relevant to a college attendee, a school-level student or even a doctoral candidate. Additionally, there are abbreviations, especially in column names, whose specific meaning is unclear. In such cases, we refer to the questions that use this information to validate the logic. </a:t>
+            </a:r>
+            <a:r>
+              <a:rPr lang="en-US" sz="1800" b="0" i="0" u="none" strike="noStrike" baseline="0" dirty="0">
+                <a:latin typeface="CMBX10"/>
+              </a:rPr>
+              <a:t>Next, we have the Non-1-1 Association </a:t>
+            </a:r>
+            <a:r>
+              <a:rPr lang="en-US" sz="2800" dirty="0"/>
+              <a:t>problem</a:t>
+            </a:r>
+            <a:r>
+              <a:rPr lang="en-US" sz="1800" b="0" i="0" u="none" strike="noStrike" baseline="0" dirty="0">
+                <a:latin typeface="CMBX10"/>
+              </a:rPr>
+              <a:t>: </a:t>
+            </a:r>
+            <a:r>
+              <a:rPr lang="en-US" sz="1800" b="0" i="0" u="none" strike="noStrike" baseline="0" dirty="0">
+                <a:latin typeface="CMR10"/>
+              </a:rPr>
+              <a:t>Some English words do not have exact equivalents in Greek. For instance, the word ’State’ can be translated as ‘Politeia’, but in English, it typically means each of the federal states constituting the United States, whereas in Greek, it refers to the organization of a city-state or the form of government. </a:t>
+            </a:r>
+            <a:r>
+              <a:rPr lang="en-US" sz="1800" b="0" i="0" u="none" strike="noStrike" baseline="0" dirty="0">
+                <a:latin typeface="CMBX10"/>
+              </a:rPr>
+              <a:t>Finally we have the Entity polysemy challenge: </a:t>
+            </a:r>
+            <a:r>
+              <a:rPr lang="en-US" sz="1800" b="0" i="0" u="none" strike="noStrike" baseline="0" dirty="0">
+                <a:latin typeface="CMR10"/>
+              </a:rPr>
+              <a:t>Certain words have multiple meanings in Greek. For example, the word ‘Transcript’ can refer to a general written or printed material, but it can also refer to a record study of a student .</a:t>
+            </a:r>
+            <a:endParaRPr lang="el-GR" dirty="0"/>
           </a:p>
         </p:txBody>
       </p:sp>
@@ -2150,7 +3057,7 @@
           <a:p>
             <a:fld id="{5C8EBDBD-B5B6-4C5C-8990-1648C105756E}" type="slidenum">
               <a:rPr lang="en-US" smtClean="0"/>
-              <a:t>10</a:t>
+              <a:t>8</a:t>
             </a:fld>
             <a:endParaRPr lang="en-US"/>
           </a:p>
@@ -2159,7 +3066,7 @@
     </p:spTree>
     <p:extLst>
       <p:ext uri="{BB962C8B-B14F-4D97-AF65-F5344CB8AC3E}">
-        <p14:creationId xmlns:p14="http://schemas.microsoft.com/office/powerpoint/2010/main" val="2650647421"/>
+        <p14:creationId xmlns:p14="http://schemas.microsoft.com/office/powerpoint/2010/main" val="2913097291"/>
       </p:ext>
     </p:extLst>
   </p:cSld>
@@ -2218,66 +3125,86 @@
               <a:rPr lang="en-US" sz="1800" b="0" i="0" u="none" strike="noStrike" baseline="0" dirty="0">
                 <a:latin typeface="CMR10"/>
               </a:rPr>
-              <a:t>RAT-SQL is a </a:t>
-            </a:r>
-            <a:r>
-              <a:rPr lang="en-US" sz="2800" dirty="0"/>
-              <a:t>traditional</a:t>
-            </a:r>
-            <a:r>
-              <a:rPr lang="en-US" sz="1800" dirty="0"/>
-              <a:t> Text-to-SQL model, which requires train and inference. The model </a:t>
+              <a:t>While Gpt-3.5 Turbo performed excellent in the translation process, we continued to refine the schema and the questions. Regarding the adjustments, we reorganized the content within sentences, eliminated unnecessary words and refined the sentence structures to sound more natural. Additionally, we corrected table and column names where needed. This was necessary because </a:t>
+            </a:r>
+            <a:r>
+              <a:rPr lang="en-US" sz="1800" b="0" i="0" u="none" strike="noStrike" baseline="0" dirty="0" err="1">
+                <a:latin typeface="CMR10"/>
+              </a:rPr>
+              <a:t>Gpt</a:t>
             </a:r>
             <a:r>
               <a:rPr lang="en-US" sz="1800" b="0" i="0" u="none" strike="noStrike" baseline="0" dirty="0">
                 <a:latin typeface="CMR10"/>
               </a:rPr>
-              <a:t>manages to encode the database relations in an accessible way and to map columns and their mentions for a particular question. During the pre-processing phase, schema linking takes place. This is achieved by lemmatizing the questions, as well as the tables and the columns of the database, using the </a:t>
-            </a:r>
-            <a:r>
-              <a:rPr lang="en-US" sz="4000" dirty="0" err="1"/>
-              <a:t>simplemma</a:t>
-            </a:r>
+              <a:t>, occasionally, did not strictly follow the input keywords provided in the prompt. Instead, it translated the content from scratch.</a:t>
+            </a:r>
+          </a:p>
+          <a:p>
+            <a:pPr algn="l"/>
             <a:r>
               <a:rPr lang="en-US" sz="1800" b="0" i="0" u="none" strike="noStrike" baseline="0" dirty="0">
                 <a:latin typeface="CMR10"/>
               </a:rPr>
-              <a:t> library. Then the columns and tables are mapped to the questions, where possible. The </a:t>
+              <a:t>Details of the statistics of the post-editing data can be found in Table 4. The </a:t>
+            </a:r>
+            <a:r>
+              <a:rPr lang="en-US" sz="1800" b="0" i="0" u="none" strike="noStrike" baseline="0" dirty="0">
+                <a:latin typeface="CMTI10"/>
+              </a:rPr>
+              <a:t>is altered </a:t>
+            </a:r>
+            <a:r>
+              <a:rPr lang="en-US" sz="1800" b="0" i="0" u="none" strike="noStrike" baseline="0" dirty="0">
+                <a:latin typeface="CMR10"/>
+              </a:rPr>
+              <a:t>information in the table reveals the percentage of questions that were modified between the initial </a:t>
             </a:r>
             <a:r>
               <a:rPr lang="en-US" sz="1800" b="0" i="0" u="none" strike="noStrike" baseline="0" dirty="0" err="1">
                 <a:latin typeface="CMR10"/>
               </a:rPr>
-              <a:t>mRAT</a:t>
+              <a:t>Gpt</a:t>
             </a:r>
             <a:r>
               <a:rPr lang="en-US" sz="1800" b="0" i="0" u="none" strike="noStrike" baseline="0" dirty="0">
                 <a:latin typeface="CMR10"/>
               </a:rPr>
-              <a:t>-SQL model, incorporates multi-language models like mT5 and </a:t>
+              <a:t> translation and the final translated version. As mentioned earlier, each annotator verified and post-edited the </a:t>
             </a:r>
             <a:r>
               <a:rPr lang="en-US" sz="1800" b="0" i="0" u="none" strike="noStrike" baseline="0" dirty="0" err="1">
                 <a:latin typeface="CMR10"/>
               </a:rPr>
-              <a:t>mBart</a:t>
+              <a:t>Gpt</a:t>
             </a:r>
             <a:r>
               <a:rPr lang="en-US" sz="1800" b="0" i="0" u="none" strike="noStrike" baseline="0" dirty="0">
                 <a:latin typeface="CMR10"/>
               </a:rPr>
-              <a:t>, facilitating the training and inference processes across different languages. Regarding our extensions,. Through experimenting we found out that </a:t>
-            </a:r>
-            <a:r>
-              <a:rPr lang="en-US" sz="4000" dirty="0" err="1"/>
-              <a:t>simplemma</a:t>
+              <a:t> translation. The final translation resulted from a verification process of the post-edits. The </a:t>
+            </a:r>
+            <a:r>
+              <a:rPr lang="en-US" sz="1800" b="0" i="0" u="none" strike="noStrike" baseline="0" dirty="0">
+                <a:latin typeface="CMTI10"/>
+              </a:rPr>
+              <a:t>cross check </a:t>
             </a:r>
             <a:r>
               <a:rPr lang="en-US" sz="1800" b="0" i="0" u="none" strike="noStrike" baseline="0" dirty="0">
                 <a:latin typeface="CMR10"/>
               </a:rPr>
-              <a:t> lemmatizer performed worse at the schema linking process for the Greek dataset, when compared with the Stanza lemmatizer. As such, we added the support for the Stanza library.</a:t>
-            </a:r>
+              <a:t>information indicates the percentage of disagreement between our annotations (based only on the data that were altered).</a:t>
+            </a:r>
+          </a:p>
+          <a:p>
+            <a:pPr algn="l"/>
+            <a:endParaRPr lang="en-US" sz="1800" b="0" i="0" u="none" strike="noStrike" baseline="0" dirty="0">
+              <a:latin typeface="CMR10"/>
+            </a:endParaRPr>
+          </a:p>
+          <a:p>
+            <a:pPr algn="l"/>
             <a:endParaRPr lang="el-GR" dirty="0"/>
           </a:p>
         </p:txBody>
@@ -2299,7 +3226,7 @@
           <a:p>
             <a:fld id="{5C8EBDBD-B5B6-4C5C-8990-1648C105756E}" type="slidenum">
               <a:rPr lang="en-US" smtClean="0"/>
-              <a:t>11</a:t>
+              <a:t>9</a:t>
             </a:fld>
             <a:endParaRPr lang="en-US"/>
           </a:p>
@@ -2308,7 +3235,7 @@
     </p:spTree>
     <p:extLst>
       <p:ext uri="{BB962C8B-B14F-4D97-AF65-F5344CB8AC3E}">
-        <p14:creationId xmlns:p14="http://schemas.microsoft.com/office/powerpoint/2010/main" val="146330010"/>
+        <p14:creationId xmlns:p14="http://schemas.microsoft.com/office/powerpoint/2010/main" val="3454537888"/>
       </p:ext>
     </p:extLst>
   </p:cSld>
@@ -2467,7 +3394,7 @@
           <a:p>
             <a:fld id="{84196782-5064-4F60-81B4-A0AB91B324D3}" type="datetimeFigureOut">
               <a:rPr lang="el-GR" smtClean="0"/>
-              <a:t>22/6/2024</a:t>
+              <a:t>24/6/2024</a:t>
             </a:fld>
             <a:endParaRPr lang="el-GR"/>
           </a:p>
@@ -2667,7 +3594,7 @@
           <a:p>
             <a:fld id="{84196782-5064-4F60-81B4-A0AB91B324D3}" type="datetimeFigureOut">
               <a:rPr lang="el-GR" smtClean="0"/>
-              <a:t>22/6/2024</a:t>
+              <a:t>24/6/2024</a:t>
             </a:fld>
             <a:endParaRPr lang="el-GR"/>
           </a:p>
@@ -2877,7 +3804,7 @@
           <a:p>
             <a:fld id="{84196782-5064-4F60-81B4-A0AB91B324D3}" type="datetimeFigureOut">
               <a:rPr lang="el-GR" smtClean="0"/>
-              <a:t>22/6/2024</a:t>
+              <a:t>24/6/2024</a:t>
             </a:fld>
             <a:endParaRPr lang="el-GR"/>
           </a:p>
@@ -3077,7 +4004,7 @@
           <a:p>
             <a:fld id="{84196782-5064-4F60-81B4-A0AB91B324D3}" type="datetimeFigureOut">
               <a:rPr lang="el-GR" smtClean="0"/>
-              <a:t>22/6/2024</a:t>
+              <a:t>24/6/2024</a:t>
             </a:fld>
             <a:endParaRPr lang="el-GR"/>
           </a:p>
@@ -3353,7 +4280,7 @@
           <a:p>
             <a:fld id="{84196782-5064-4F60-81B4-A0AB91B324D3}" type="datetimeFigureOut">
               <a:rPr lang="el-GR" smtClean="0"/>
-              <a:t>22/6/2024</a:t>
+              <a:t>24/6/2024</a:t>
             </a:fld>
             <a:endParaRPr lang="el-GR"/>
           </a:p>
@@ -3621,7 +4548,7 @@
           <a:p>
             <a:fld id="{84196782-5064-4F60-81B4-A0AB91B324D3}" type="datetimeFigureOut">
               <a:rPr lang="el-GR" smtClean="0"/>
-              <a:t>22/6/2024</a:t>
+              <a:t>24/6/2024</a:t>
             </a:fld>
             <a:endParaRPr lang="el-GR"/>
           </a:p>
@@ -4036,7 +4963,7 @@
           <a:p>
             <a:fld id="{84196782-5064-4F60-81B4-A0AB91B324D3}" type="datetimeFigureOut">
               <a:rPr lang="el-GR" smtClean="0"/>
-              <a:t>22/6/2024</a:t>
+              <a:t>24/6/2024</a:t>
             </a:fld>
             <a:endParaRPr lang="el-GR"/>
           </a:p>
@@ -4178,7 +5105,7 @@
           <a:p>
             <a:fld id="{84196782-5064-4F60-81B4-A0AB91B324D3}" type="datetimeFigureOut">
               <a:rPr lang="el-GR" smtClean="0"/>
-              <a:t>22/6/2024</a:t>
+              <a:t>24/6/2024</a:t>
             </a:fld>
             <a:endParaRPr lang="el-GR"/>
           </a:p>
@@ -4291,7 +5218,7 @@
           <a:p>
             <a:fld id="{84196782-5064-4F60-81B4-A0AB91B324D3}" type="datetimeFigureOut">
               <a:rPr lang="el-GR" smtClean="0"/>
-              <a:t>22/6/2024</a:t>
+              <a:t>24/6/2024</a:t>
             </a:fld>
             <a:endParaRPr lang="el-GR"/>
           </a:p>
@@ -4604,7 +5531,7 @@
           <a:p>
             <a:fld id="{84196782-5064-4F60-81B4-A0AB91B324D3}" type="datetimeFigureOut">
               <a:rPr lang="el-GR" smtClean="0"/>
-              <a:t>22/6/2024</a:t>
+              <a:t>24/6/2024</a:t>
             </a:fld>
             <a:endParaRPr lang="el-GR"/>
           </a:p>
@@ -4893,7 +5820,7 @@
           <a:p>
             <a:fld id="{84196782-5064-4F60-81B4-A0AB91B324D3}" type="datetimeFigureOut">
               <a:rPr lang="el-GR" smtClean="0"/>
-              <a:t>22/6/2024</a:t>
+              <a:t>24/6/2024</a:t>
             </a:fld>
             <a:endParaRPr lang="el-GR"/>
           </a:p>
@@ -5136,7 +6063,7 @@
           <a:p>
             <a:fld id="{84196782-5064-4F60-81B4-A0AB91B324D3}" type="datetimeFigureOut">
               <a:rPr lang="el-GR" smtClean="0"/>
-              <a:t>22/6/2024</a:t>
+              <a:t>24/6/2024</a:t>
             </a:fld>
             <a:endParaRPr lang="el-GR"/>
           </a:p>
@@ -7055,7 +7982,7 @@
           <p:nvPr/>
         </p:nvPicPr>
         <p:blipFill>
-          <a:blip r:embed="rId2"/>
+          <a:blip r:embed="rId3"/>
           <a:stretch>
             <a:fillRect/>
           </a:stretch>
@@ -7085,7 +8012,7 @@
           <p:nvPr/>
         </p:nvPicPr>
         <p:blipFill>
-          <a:blip r:embed="rId3"/>
+          <a:blip r:embed="rId4"/>
           <a:stretch>
             <a:fillRect/>
           </a:stretch>

--- a/Presentation/GreekSpider_Presentation.pptx
+++ b/Presentation/GreekSpider_Presentation.pptx
@@ -531,15 +531,7 @@
           <a:p>
             <a:r>
               <a:rPr lang="en-US" dirty="0"/>
-              <a:t>Welcome, we would like to present our work, Gr-Spider. Gr-Spider is </a:t>
-            </a:r>
-            <a:r>
-              <a:rPr lang="en-US" dirty="0" err="1"/>
-              <a:t>theGreek</a:t>
-            </a:r>
-            <a:r>
-              <a:rPr lang="en-US" dirty="0"/>
-              <a:t> version of the Spider Dataset, commonly to benchmark Text-to-SQL solutions. </a:t>
+              <a:t>Welcome, we would like to present our work, Gr-Spider. Gr-Spider is the Greek version of the Spider Dataset, commonly used to benchmark Text-to-SQL solutions. </a:t>
             </a:r>
           </a:p>
         </p:txBody>
@@ -875,7 +867,7 @@
           <a:p>
             <a:r>
               <a:rPr lang="en-US" dirty="0"/>
-              <a:t>Existing experiments using RAT-SQL for non English languages utilize the original English schema. As a result, the schema linking process explained before, largely fails.</a:t>
+              <a:t>Existing experiments utilize the original English schema. As a result, the schema linking fails for non English languages.</a:t>
             </a:r>
             <a:endParaRPr lang="el-GR" dirty="0"/>
           </a:p>
@@ -903,9 +895,46 @@
             </a:r>
           </a:p>
           <a:p>
-            <a:r>
-              <a:rPr lang="en-US" dirty="0"/>
-              <a:t>2 When using the translated </a:t>
+            <a:pPr marL="0" marR="0" lvl="0" indent="0" algn="l" defTabSz="914400" rtl="0" eaLnBrk="1" fontAlgn="auto" latinLnBrk="0" hangingPunct="1">
+              <a:lnSpc>
+                <a:spcPct val="100000"/>
+              </a:lnSpc>
+              <a:spcBef>
+                <a:spcPts val="0"/>
+              </a:spcBef>
+              <a:spcAft>
+                <a:spcPts val="0"/>
+              </a:spcAft>
+              <a:buClrTx/>
+              <a:buSzTx/>
+              <a:buFontTx/>
+              <a:buNone/>
+              <a:tabLst/>
+              <a:defRPr/>
+            </a:pPr>
+            <a:endParaRPr lang="en-US" dirty="0"/>
+          </a:p>
+          <a:p>
+            <a:pPr marL="0" marR="0" lvl="0" indent="0" algn="l" defTabSz="914400" rtl="0" eaLnBrk="1" fontAlgn="auto" latinLnBrk="0" hangingPunct="1">
+              <a:lnSpc>
+                <a:spcPct val="100000"/>
+              </a:lnSpc>
+              <a:spcBef>
+                <a:spcPts val="0"/>
+              </a:spcBef>
+              <a:spcAft>
+                <a:spcPts val="0"/>
+              </a:spcAft>
+              <a:buClrTx/>
+              <a:buSzTx/>
+              <a:buFontTx/>
+              <a:buNone/>
+              <a:tabLst/>
+              <a:defRPr/>
+            </a:pPr>
+            <a:r>
+              <a:rPr lang="en-US" dirty="0"/>
+              <a:t>For our experiments we chose to also chose to translate the schema, creating the </a:t>
             </a:r>
             <a:r>
               <a:rPr lang="en-US" dirty="0" err="1"/>
@@ -913,7 +942,7 @@
             </a:r>
             <a:r>
               <a:rPr lang="en-US" dirty="0"/>
-              <a:t>, we can see that stanza achieves a greater percentage, especially in table match.</a:t>
+              <a:t>, to observe the effect of proper schema linking.</a:t>
             </a:r>
           </a:p>
           <a:p>
@@ -922,7 +951,7 @@
           <a:p>
             <a:r>
               <a:rPr lang="en-US" dirty="0"/>
-              <a:t>For our experiments we chose to also train models with the translated, </a:t>
+              <a:t>2 When using the translated </a:t>
             </a:r>
             <a:r>
               <a:rPr lang="en-US" dirty="0" err="1"/>
@@ -930,21 +959,7 @@
             </a:r>
             <a:r>
               <a:rPr lang="en-US" dirty="0"/>
-              <a:t>, to observe the effect of proper schema linking.</a:t>
-            </a:r>
-          </a:p>
-          <a:p>
-            <a:r>
-              <a:rPr lang="en-US" dirty="0"/>
-              <a:t>For the next slides we will </a:t>
-            </a:r>
-            <a:r>
-              <a:rPr lang="en-US" dirty="0" err="1"/>
-              <a:t>refere</a:t>
-            </a:r>
-            <a:r>
-              <a:rPr lang="en-US" dirty="0"/>
-              <a:t> to the translated schema as gr-schema, while the original remains labeled simply as schema.</a:t>
+              <a:t>, we can see that stanza achieves a greater percentage, especially in table match.</a:t>
             </a:r>
           </a:p>
           <a:p>
@@ -953,7 +968,7 @@
           <a:p>
             <a:r>
               <a:rPr lang="en-US" dirty="0"/>
-              <a:t>The training process for all models was conducted using mT5-base, due to hardware constraints.</a:t>
+              <a:t>The training process was performed using mT5-base, due to hardware constraints.</a:t>
             </a:r>
           </a:p>
           <a:p>
@@ -970,7 +985,7 @@
             </a:r>
             <a:r>
               <a:rPr lang="en-US" dirty="0"/>
-              <a:t> to note that both the training and inference datasets utilize identical databases, significantly enhancing inference scores compared to scenarios where a database not used during training is employed</a:t>
+              <a:t> to note that both the training and inference datasets utilize identical databases, As a result, inference scores are much better, when compared to inferencing on an unknown database.</a:t>
             </a:r>
             <a:endParaRPr lang="el-GR" dirty="0"/>
           </a:p>
@@ -1058,7 +1073,7 @@
           <a:p>
             <a:r>
               <a:rPr lang="en-US" dirty="0"/>
-              <a:t>Let’s take a look at the results:</a:t>
+              <a:t>Okay, Let’s take a look at the results:</a:t>
             </a:r>
           </a:p>
           <a:p>
@@ -1075,16 +1090,21 @@
             </a:r>
             <a:r>
               <a:rPr lang="en-US" dirty="0"/>
-              <a:t>-Spider, using the schema. It achieved a total inference score of 0.73 (Again, a reminder, these scores are on the Mini-Spider Dev)</a:t>
-            </a:r>
-          </a:p>
-          <a:p>
-            <a:endParaRPr lang="en-US" dirty="0"/>
-          </a:p>
-          <a:p>
-            <a:r>
-              <a:rPr lang="en-US" dirty="0"/>
-              <a:t>For the Greek models, we opted for different combinations of (1) lemmatizer, (2) schema</a:t>
+              <a:t>-Spider, using the schema. It achieved a total inference score of 0.73 (Again, a reminder, these scores are on the Mini-Spider Dev Dataset)</a:t>
+            </a:r>
+          </a:p>
+          <a:p>
+            <a:r>
+              <a:rPr lang="en-US" dirty="0"/>
+              <a:t>For the Greek models, we explored different combinations of schemas, </a:t>
+            </a:r>
+            <a:r>
+              <a:rPr lang="en-US" dirty="0" err="1"/>
+              <a:t>lemmatizers</a:t>
+            </a:r>
+            <a:r>
+              <a:rPr lang="en-US" dirty="0"/>
+              <a:t>.</a:t>
             </a:r>
           </a:p>
           <a:p>
@@ -1145,7 +1165,7 @@
           <a:p>
             <a:r>
               <a:rPr lang="en-US" dirty="0"/>
-              <a:t>This is because both datasets utilize the same databases. Despite column/table matching not being effective with the original schema, RAT-SQL consistently encodes information from the entire database alongside each question. Given the manageable complexity of connections in the Spider dataset, the model reliably identifies links from available information. </a:t>
+              <a:t>This is because both datasets utilize the same databases. Despite the lack column/table matching (schema linking), RAT-SQL encodes all the database information along with each question. Given the connections in the Spider dataset are not considered difficult, the model reliably identifies links from the available information. </a:t>
             </a:r>
           </a:p>
           <a:p>
@@ -1154,7 +1174,7 @@
           <a:p>
             <a:r>
               <a:rPr lang="en-US" dirty="0"/>
-              <a:t>We anticipate that the true effect of schema linking will become apparent when inferencing with the proper test set, which uses different database, In this scenario, the model will heavily rely on mapping between questions and tables/columns to achieve accurate results.</a:t>
+              <a:t>We anticipate that the true effect of schema linking will become apparent when inferencing with the proper test set, which uses different databases.</a:t>
             </a:r>
           </a:p>
           <a:p>
@@ -1381,18 +1401,16 @@
           <a:p>
             <a:r>
               <a:rPr lang="en-US" dirty="0"/>
-              <a:t>Despite providing additional context to the LLM for more accurate translation, it failed to produce results comparable to those from human-curated datasets.</a:t>
-            </a:r>
-          </a:p>
-          <a:p>
+              <a:t>Despite providing additional context to the LLM for more accurate translation, it failed to produce consistently accurate </a:t>
+            </a:r>
+            <a:r>
+              <a:rPr lang="en-US"/>
+              <a:t>translations.</a:t>
+            </a:r>
             <a:endParaRPr lang="en-US" dirty="0"/>
           </a:p>
           <a:p>
-            <a:r>
-              <a:rPr lang="en-US" dirty="0"/>
-              <a:t>The decline in performance can largely be attributed to the polysemy (multiple meanings) of the Greek language and the inability of Language Learning Models to fully grasp the context of questions. Despite access to database information, achieving an ideal translation that aligns perfectly with specified database tables and columns remains unsatisfactory</a:t>
-            </a:r>
-            <a:endParaRPr lang="el-GR" dirty="0"/>
+            <a:endParaRPr lang="en-US" dirty="0"/>
           </a:p>
         </p:txBody>
       </p:sp>
@@ -2229,25 +2247,25 @@
           <a:p>
             <a:r>
               <a:rPr lang="en-US" dirty="0"/>
-              <a:t>First, we will say a few things about the Text-to-SQL task in general and quickly go through the Spider Dataset,</a:t>
-            </a:r>
-          </a:p>
-          <a:p>
-            <a:r>
-              <a:rPr lang="en-US" dirty="0"/>
-              <a:t>Then we will talk about our modification -&gt; The Greek Spider and the challenges we faced during the translation</a:t>
-            </a:r>
-          </a:p>
-          <a:p>
-            <a:r>
-              <a:rPr lang="en-US" dirty="0"/>
-              <a:t>After that, we will benchmark Gr-Spider</a:t>
-            </a:r>
-          </a:p>
-          <a:p>
-            <a:r>
-              <a:rPr lang="en-US" dirty="0"/>
-              <a:t>Finally, we will present a live demo</a:t>
+              <a:t>First, we will say a few things about the Text-to-SQL task in general and quickly go through the Spider Dataset.</a:t>
+            </a:r>
+          </a:p>
+          <a:p>
+            <a:r>
+              <a:rPr lang="en-US" dirty="0"/>
+              <a:t>Then we will talk about our version -&gt; The Greek Spider and the challenges we faced during the translation.</a:t>
+            </a:r>
+          </a:p>
+          <a:p>
+            <a:r>
+              <a:rPr lang="en-US" dirty="0"/>
+              <a:t>After that, we will benchmark Gr-Spider.</a:t>
+            </a:r>
+          </a:p>
+          <a:p>
+            <a:r>
+              <a:rPr lang="en-US" dirty="0"/>
+              <a:t>Finally, we will present a live demo.</a:t>
             </a:r>
           </a:p>
         </p:txBody>
@@ -2334,7 +2352,7 @@
           <a:p>
             <a:r>
               <a:rPr lang="en-US" dirty="0"/>
-              <a:t>Text-to-SQL, also known as Natural Language to SQL (NL2SQL), is a task in natural language processing that aims to convert human language queries into structured SQL queries. </a:t>
+              <a:t>Text-to-SQL, is a task in natural language processing that aims to convert human language queries into structured SQL queries. </a:t>
             </a:r>
           </a:p>
           <a:p>
@@ -2349,7 +2367,7 @@
           <a:p>
             <a:r>
               <a:rPr lang="en-US" dirty="0"/>
-              <a:t>Why did we choose the Gr-Spider?</a:t>
+              <a:t>Why did we choose this idea?</a:t>
             </a:r>
           </a:p>
           <a:p>
@@ -2472,15 +2490,7 @@
           <a:p>
             <a:r>
               <a:rPr lang="en-US" dirty="0"/>
-              <a:t>SQL queries are categorized into four difficulty levels: Easy, Medium, Hard, and Extra Hard. We will refer to these categories as \</a:t>
-            </a:r>
-            <a:r>
-              <a:rPr lang="en-US" dirty="0" err="1"/>
-              <a:t>textbf</a:t>
-            </a:r>
-            <a:r>
-              <a:rPr lang="en-US" dirty="0"/>
-              <a:t>{(E), (M), (H) and (Ex)}</a:t>
+              <a:t>SQL queries are categorized into four difficulty levels: Easy, Medium, Hard, and Extra Hard</a:t>
             </a:r>
           </a:p>
           <a:p>
@@ -2489,23 +2499,7 @@
           <a:p>
             <a:r>
               <a:rPr lang="en-US" dirty="0"/>
-              <a:t>It cover 2 hundred databases across 1 </a:t>
-            </a:r>
-            <a:r>
-              <a:rPr lang="en-US" dirty="0" err="1"/>
-              <a:t>hundreend</a:t>
-            </a:r>
-            <a:r>
-              <a:rPr lang="en-US" dirty="0"/>
-              <a:t> and thirty eight different </a:t>
-            </a:r>
-            <a:r>
-              <a:rPr lang="en-US" dirty="0" err="1"/>
-              <a:t>domanins</a:t>
-            </a:r>
-            <a:r>
-              <a:rPr lang="en-US" dirty="0"/>
-              <a:t>.</a:t>
+              <a:t>It covers 2 hundred databases across many different domains.</a:t>
             </a:r>
           </a:p>
           <a:p>
